--- a/source/MySeProject/Documentation/Implement Temporal Memory Learning sample with Serialization.pptx
+++ b/source/MySeProject/Documentation/Implement Temporal Memory Learning sample with Serialization.pptx
@@ -345,7 +345,7 @@
           <a:p>
             <a:fld id="{4C3189FA-C76D-4256-BA17-FB752FF08BD1}" type="datetimeFigureOut">
               <a:rPr lang="en-US" smtClean="0"/>
-              <a:t>1/6/2024</a:t>
+              <a:t>1/12/2024</a:t>
             </a:fld>
             <a:endParaRPr lang="en-US"/>
           </a:p>
@@ -553,7 +553,7 @@
           <a:p>
             <a:fld id="{4C3189FA-C76D-4256-BA17-FB752FF08BD1}" type="datetimeFigureOut">
               <a:rPr lang="en-US" smtClean="0"/>
-              <a:t>1/6/2024</a:t>
+              <a:t>1/12/2024</a:t>
             </a:fld>
             <a:endParaRPr lang="en-US"/>
           </a:p>
@@ -809,7 +809,7 @@
           <a:p>
             <a:fld id="{4C3189FA-C76D-4256-BA17-FB752FF08BD1}" type="datetimeFigureOut">
               <a:rPr lang="en-US" smtClean="0"/>
-              <a:t>1/6/2024</a:t>
+              <a:t>1/12/2024</a:t>
             </a:fld>
             <a:endParaRPr lang="en-US"/>
           </a:p>
@@ -983,7 +983,7 @@
           <a:p>
             <a:fld id="{4C3189FA-C76D-4256-BA17-FB752FF08BD1}" type="datetimeFigureOut">
               <a:rPr lang="en-US" smtClean="0"/>
-              <a:t>1/6/2024</a:t>
+              <a:t>1/12/2024</a:t>
             </a:fld>
             <a:endParaRPr lang="en-US"/>
           </a:p>
@@ -1326,7 +1326,7 @@
           <a:p>
             <a:fld id="{4C3189FA-C76D-4256-BA17-FB752FF08BD1}" type="datetimeFigureOut">
               <a:rPr lang="en-US" smtClean="0"/>
-              <a:t>1/6/2024</a:t>
+              <a:t>1/12/2024</a:t>
             </a:fld>
             <a:endParaRPr lang="en-US"/>
           </a:p>
@@ -1601,7 +1601,7 @@
           <a:p>
             <a:fld id="{4C3189FA-C76D-4256-BA17-FB752FF08BD1}" type="datetimeFigureOut">
               <a:rPr lang="en-US" smtClean="0"/>
-              <a:t>1/6/2024</a:t>
+              <a:t>1/12/2024</a:t>
             </a:fld>
             <a:endParaRPr lang="en-US"/>
           </a:p>
@@ -1980,7 +1980,7 @@
           <a:p>
             <a:fld id="{4C3189FA-C76D-4256-BA17-FB752FF08BD1}" type="datetimeFigureOut">
               <a:rPr lang="en-US" smtClean="0"/>
-              <a:t>1/6/2024</a:t>
+              <a:t>1/12/2024</a:t>
             </a:fld>
             <a:endParaRPr lang="en-US"/>
           </a:p>
@@ -2098,7 +2098,7 @@
           <a:p>
             <a:fld id="{4C3189FA-C76D-4256-BA17-FB752FF08BD1}" type="datetimeFigureOut">
               <a:rPr lang="en-US" smtClean="0"/>
-              <a:t>1/6/2024</a:t>
+              <a:t>1/12/2024</a:t>
             </a:fld>
             <a:endParaRPr lang="en-US"/>
           </a:p>
@@ -2269,7 +2269,7 @@
           <a:p>
             <a:fld id="{4C3189FA-C76D-4256-BA17-FB752FF08BD1}" type="datetimeFigureOut">
               <a:rPr lang="en-US" smtClean="0"/>
-              <a:t>1/6/2024</a:t>
+              <a:t>1/12/2024</a:t>
             </a:fld>
             <a:endParaRPr lang="en-US"/>
           </a:p>
@@ -2623,7 +2623,7 @@
           <a:p>
             <a:fld id="{4C3189FA-C76D-4256-BA17-FB752FF08BD1}" type="datetimeFigureOut">
               <a:rPr lang="en-US" smtClean="0"/>
-              <a:t>1/6/2024</a:t>
+              <a:t>1/12/2024</a:t>
             </a:fld>
             <a:endParaRPr lang="en-US"/>
           </a:p>
@@ -3005,7 +3005,7 @@
           <a:p>
             <a:fld id="{4C3189FA-C76D-4256-BA17-FB752FF08BD1}" type="datetimeFigureOut">
               <a:rPr lang="en-US" smtClean="0"/>
-              <a:t>1/6/2024</a:t>
+              <a:t>1/12/2024</a:t>
             </a:fld>
             <a:endParaRPr lang="en-US"/>
           </a:p>
@@ -3292,7 +3292,7 @@
           <a:p>
             <a:fld id="{4C3189FA-C76D-4256-BA17-FB752FF08BD1}" type="datetimeFigureOut">
               <a:rPr lang="en-US" smtClean="0"/>
-              <a:t>1/6/2024</a:t>
+              <a:t>1/12/2024</a:t>
             </a:fld>
             <a:endParaRPr lang="en-US"/>
           </a:p>
@@ -5127,7 +5127,7 @@
         <p:spPr>
           <a:xfrm>
             <a:off x="1097280" y="1845734"/>
-            <a:ext cx="10958596" cy="4288736"/>
+            <a:ext cx="10564451" cy="4288736"/>
           </a:xfrm>
         </p:spPr>
         <p:txBody>
@@ -5148,7 +5148,21 @@
                 <a:latin typeface="Times New Roman" panose="02020603050405020304" pitchFamily="18" charset="0"/>
                 <a:cs typeface="Times New Roman" panose="02020603050405020304" pitchFamily="18" charset="0"/>
               </a:rPr>
-              <a:t>In this project, serialization with Temporal Memory is implemented in Multi Sequence Learning. </a:t>
+              <a:t>In this project, serialization with Temporal Memory is implemented </a:t>
+            </a:r>
+            <a:r>
+              <a:rPr lang="en-US" sz="1800">
+                <a:latin typeface="Times New Roman" panose="02020603050405020304" pitchFamily="18" charset="0"/>
+                <a:cs typeface="Times New Roman" panose="02020603050405020304" pitchFamily="18" charset="0"/>
+              </a:rPr>
+              <a:t>in MultiSequenceLearning</a:t>
+            </a:r>
+            <a:r>
+              <a:rPr lang="en-US" sz="1800" dirty="0">
+                <a:latin typeface="Times New Roman" panose="02020603050405020304" pitchFamily="18" charset="0"/>
+                <a:cs typeface="Times New Roman" panose="02020603050405020304" pitchFamily="18" charset="0"/>
+              </a:rPr>
+              <a:t>. </a:t>
             </a:r>
           </a:p>
           <a:p>
@@ -6851,7 +6865,12 @@
             <p:ph idx="1"/>
           </p:nvPr>
         </p:nvSpPr>
-        <p:spPr/>
+        <p:spPr>
+          <a:xfrm>
+            <a:off x="1097280" y="2037214"/>
+            <a:ext cx="10058400" cy="3274907"/>
+          </a:xfrm>
+        </p:spPr>
         <p:txBody>
           <a:bodyPr>
             <a:normAutofit/>
@@ -6962,7 +6981,21 @@
                 <a:latin typeface="Times New Roman" panose="02020603050405020304" pitchFamily="18" charset="0"/>
                 <a:ea typeface="Times New Roman" panose="02020603050405020304" pitchFamily="18" charset="0"/>
               </a:rPr>
-              <a:t>However, methods for the serialization of objects which are in the Predictor layers are required. </a:t>
+              <a:t>However, methods for the serialization of objects which are in </a:t>
+            </a:r>
+            <a:r>
+              <a:rPr lang="en-US" sz="1800">
+                <a:latin typeface="Times New Roman" panose="02020603050405020304" pitchFamily="18" charset="0"/>
+                <a:ea typeface="Times New Roman" panose="02020603050405020304" pitchFamily="18" charset="0"/>
+              </a:rPr>
+              <a:t>the Predictor instance </a:t>
+            </a:r>
+            <a:r>
+              <a:rPr lang="en-US" sz="1800" dirty="0">
+                <a:latin typeface="Times New Roman" panose="02020603050405020304" pitchFamily="18" charset="0"/>
+                <a:ea typeface="Times New Roman" panose="02020603050405020304" pitchFamily="18" charset="0"/>
+              </a:rPr>
+              <a:t>are required. </a:t>
             </a:r>
             <a:endParaRPr lang="en-US" sz="1800" dirty="0">
               <a:effectLst/>
@@ -7696,17 +7729,20 @@
         </p:nvSpPr>
         <p:spPr>
           <a:xfrm>
-            <a:off x="1097279" y="1845734"/>
-            <a:ext cx="10058400" cy="4023360"/>
+            <a:off x="1097278" y="1845734"/>
+            <a:ext cx="10244637" cy="4023360"/>
           </a:xfrm>
         </p:spPr>
         <p:txBody>
           <a:bodyPr>
-            <a:normAutofit/>
+            <a:normAutofit fontScale="92500" lnSpcReduction="10000"/>
           </a:bodyPr>
           <a:lstStyle/>
           <a:p>
             <a:pPr algn="just">
+              <a:lnSpc>
+                <a:spcPct val="200000"/>
+              </a:lnSpc>
               <a:buFont typeface="Wingdings" panose="05000000000000000000" pitchFamily="2" charset="2"/>
               <a:buChar char="Ø"/>
             </a:pPr>
@@ -7717,7 +7753,26 @@
                 </a:solidFill>
                 <a:latin typeface="Times New Roman" panose="02020603050405020304" pitchFamily="18" charset="0"/>
               </a:rPr>
-              <a:t>Multi Sequence Learning (MSL) experiment demonstrates how to learn two sequences and how to use the prediction mechanism through the </a:t>
+              <a:t>Multi Sequence Learning (MSL</a:t>
+            </a:r>
+            <a:r>
+              <a:rPr lang="en-GB" sz="1800">
+                <a:solidFill>
+                  <a:srgbClr val="000000"/>
+                </a:solidFill>
+                <a:latin typeface="Times New Roman" panose="02020603050405020304" pitchFamily="18" charset="0"/>
+              </a:rPr>
+              <a:t>) experiment is demonstrated in </a:t>
+            </a:r>
+            <a:r>
+              <a:rPr lang="en-GB" sz="1800">
+                <a:solidFill>
+                  <a:srgbClr val="000000"/>
+                </a:solidFill>
+                <a:latin typeface="Times New Roman" panose="02020603050405020304" pitchFamily="18" charset="0"/>
+                <a:hlinkClick r:id="rId2"/>
+              </a:rPr>
+              <a:t>RunMultiSequenceSerializationExperiment</a:t>
             </a:r>
             <a:r>
               <a:rPr lang="en-GB" sz="1800" dirty="0">
@@ -7727,8 +7782,32 @@
                 <a:latin typeface="Times New Roman" panose="02020603050405020304" pitchFamily="18" charset="0"/>
                 <a:hlinkClick r:id="rId2"/>
               </a:rPr>
-              <a:t>RunMultiSequenceSerializationExperiment() </a:t>
-            </a:r>
+              <a:t>() </a:t>
+            </a:r>
+            <a:r>
+              <a:rPr lang="en-GB" sz="1800">
+                <a:solidFill>
+                  <a:srgbClr val="000000"/>
+                </a:solidFill>
+                <a:latin typeface="Times New Roman" panose="02020603050405020304" pitchFamily="18" charset="0"/>
+              </a:rPr>
+              <a:t>method.</a:t>
+            </a:r>
+            <a:endParaRPr lang="en-GB" sz="1800" dirty="0">
+              <a:solidFill>
+                <a:srgbClr val="000000"/>
+              </a:solidFill>
+              <a:latin typeface="Times New Roman" panose="02020603050405020304" pitchFamily="18" charset="0"/>
+            </a:endParaRPr>
+          </a:p>
+          <a:p>
+            <a:pPr algn="just">
+              <a:lnSpc>
+                <a:spcPct val="200000"/>
+              </a:lnSpc>
+              <a:buFont typeface="Wingdings" panose="05000000000000000000" pitchFamily="2" charset="2"/>
+              <a:buChar char="Ø"/>
+            </a:pPr>
             <a:r>
               <a:rPr lang="en-GB" sz="1800" dirty="0">
                 <a:solidFill>
@@ -7736,14 +7815,17 @@
                 </a:solidFill>
                 <a:latin typeface="Times New Roman" panose="02020603050405020304" pitchFamily="18" charset="0"/>
               </a:rPr>
-              <a:t>method.</a:t>
-            </a:r>
-          </a:p>
-          <a:p>
-            <a:pPr algn="just">
-              <a:buFont typeface="Wingdings" panose="05000000000000000000" pitchFamily="2" charset="2"/>
-              <a:buChar char="Ø"/>
-            </a:pPr>
+              <a:t>For testing </a:t>
+            </a:r>
+            <a:r>
+              <a:rPr lang="en-GB" sz="1800">
+                <a:solidFill>
+                  <a:srgbClr val="000000"/>
+                </a:solidFill>
+                <a:latin typeface="Times New Roman" panose="02020603050405020304" pitchFamily="18" charset="0"/>
+              </a:rPr>
+              <a:t>purposes, the learning gives </a:t>
+            </a:r>
             <a:r>
               <a:rPr lang="en-GB" sz="1800" dirty="0">
                 <a:solidFill>
@@ -7751,7 +7833,7 @@
                 </a:solidFill>
                 <a:latin typeface="Times New Roman" panose="02020603050405020304" pitchFamily="18" charset="0"/>
               </a:rPr>
-              <a:t>For testing purposes, we defined two instances of class Predictor i.e., "predictor" for normal predictor and "</a:t>
+              <a:t>two instances of class Predictor i.e., "predictor" for normal predictor and "</a:t>
             </a:r>
             <a:r>
               <a:rPr lang="en-GB" sz="1800" dirty="0" err="1">
@@ -7774,6 +7856,9 @@
           </a:p>
           <a:p>
             <a:pPr algn="just">
+              <a:lnSpc>
+                <a:spcPct val="200000"/>
+              </a:lnSpc>
               <a:buFont typeface="Wingdings" panose="05000000000000000000" pitchFamily="2" charset="2"/>
               <a:buChar char="Ø"/>
             </a:pPr>
@@ -7802,11 +7887,32 @@
                 </a:solidFill>
                 <a:latin typeface="Times New Roman" panose="02020603050405020304" pitchFamily="18" charset="0"/>
               </a:rPr>
-              <a:t>" instances. The same prediction (5, 4, 2) was made by both the normal predictor and the serialized predictor with the same accuracy. </a:t>
+              <a:t>" instances. The </a:t>
+            </a:r>
+            <a:r>
+              <a:rPr lang="en-GB" sz="1800">
+                <a:solidFill>
+                  <a:srgbClr val="000000"/>
+                </a:solidFill>
+                <a:latin typeface="Times New Roman" panose="02020603050405020304" pitchFamily="18" charset="0"/>
+              </a:rPr>
+              <a:t>same prediction  was </a:t>
+            </a:r>
+            <a:r>
+              <a:rPr lang="en-GB" sz="1800" dirty="0">
+                <a:solidFill>
+                  <a:srgbClr val="000000"/>
+                </a:solidFill>
+                <a:latin typeface="Times New Roman" panose="02020603050405020304" pitchFamily="18" charset="0"/>
+              </a:rPr>
+              <a:t>made by both the normal predictor and the serialized predictor with the same accuracy. </a:t>
             </a:r>
           </a:p>
           <a:p>
             <a:pPr algn="just">
+              <a:lnSpc>
+                <a:spcPct val="200000"/>
+              </a:lnSpc>
               <a:buFont typeface="Wingdings" panose="05000000000000000000" pitchFamily="2" charset="2"/>
               <a:buChar char="Ø"/>
             </a:pPr>
@@ -8772,8 +8878,52 @@
                 <a:latin typeface="Times New Roman" panose="02020603050405020304" pitchFamily="18" charset="0"/>
                 <a:ea typeface="Times New Roman" panose="02020603050405020304" pitchFamily="18" charset="0"/>
               </a:rPr>
-              <a:t> the use of Serialization in the MSL project.</a:t>
-            </a:r>
+              <a:t> </a:t>
+            </a:r>
+            <a:r>
+              <a:rPr lang="en-US" sz="1800">
+                <a:effectLst/>
+                <a:latin typeface="Times New Roman" panose="02020603050405020304" pitchFamily="18" charset="0"/>
+                <a:ea typeface="Times New Roman" panose="02020603050405020304" pitchFamily="18" charset="0"/>
+              </a:rPr>
+              <a:t>the </a:t>
+            </a:r>
+            <a:r>
+              <a:rPr lang="en-US" sz="1800">
+                <a:latin typeface="Times New Roman" panose="02020603050405020304" pitchFamily="18" charset="0"/>
+                <a:ea typeface="Times New Roman" panose="02020603050405020304" pitchFamily="18" charset="0"/>
+              </a:rPr>
+              <a:t>implementation</a:t>
+            </a:r>
+            <a:r>
+              <a:rPr lang="en-US" sz="1800">
+                <a:effectLst/>
+                <a:latin typeface="Times New Roman" panose="02020603050405020304" pitchFamily="18" charset="0"/>
+                <a:ea typeface="Times New Roman" panose="02020603050405020304" pitchFamily="18" charset="0"/>
+              </a:rPr>
+              <a:t> </a:t>
+            </a:r>
+            <a:r>
+              <a:rPr lang="en-US" sz="1800" dirty="0">
+                <a:effectLst/>
+                <a:latin typeface="Times New Roman" panose="02020603050405020304" pitchFamily="18" charset="0"/>
+                <a:ea typeface="Times New Roman" panose="02020603050405020304" pitchFamily="18" charset="0"/>
+              </a:rPr>
+              <a:t>of Serialization in </a:t>
+            </a:r>
+            <a:r>
+              <a:rPr lang="en-US" sz="1800">
+                <a:effectLst/>
+                <a:latin typeface="Times New Roman" panose="02020603050405020304" pitchFamily="18" charset="0"/>
+                <a:ea typeface="Times New Roman" panose="02020603050405020304" pitchFamily="18" charset="0"/>
+              </a:rPr>
+              <a:t>the MSL.</a:t>
+            </a:r>
+            <a:endParaRPr lang="en-US" sz="1800" dirty="0">
+              <a:effectLst/>
+              <a:latin typeface="Times New Roman" panose="02020603050405020304" pitchFamily="18" charset="0"/>
+              <a:ea typeface="Times New Roman" panose="02020603050405020304" pitchFamily="18" charset="0"/>
+            </a:endParaRPr>
           </a:p>
           <a:p>
             <a:pPr>
@@ -9518,7 +9668,7 @@
           <a:p>
             <a:pPr>
               <a:lnSpc>
-                <a:spcPct val="150000"/>
+                <a:spcPct val="200000"/>
               </a:lnSpc>
               <a:buFont typeface="Wingdings" panose="05000000000000000000" pitchFamily="2" charset="2"/>
               <a:buChar char="Ø"/>
@@ -9534,7 +9684,7 @@
           <a:p>
             <a:pPr>
               <a:lnSpc>
-                <a:spcPct val="150000"/>
+                <a:spcPct val="200000"/>
               </a:lnSpc>
               <a:buFont typeface="Wingdings" panose="05000000000000000000" pitchFamily="2" charset="2"/>
               <a:buChar char="Ø"/>
@@ -9557,17 +9707,40 @@
           <a:p>
             <a:pPr>
               <a:lnSpc>
-                <a:spcPct val="150000"/>
+                <a:spcPct val="200000"/>
               </a:lnSpc>
               <a:buFont typeface="Wingdings" panose="05000000000000000000" pitchFamily="2" charset="2"/>
               <a:buChar char="Ø"/>
             </a:pPr>
             <a:r>
-              <a:rPr lang="en-US" sz="1800" dirty="0">
+              <a:rPr lang="en-US" sz="1800">
                 <a:latin typeface="Times New Roman" panose="02020603050405020304" pitchFamily="18" charset="0"/>
                 <a:ea typeface="宋体" panose="02010600030101010101" pitchFamily="2" charset="-122"/>
               </a:rPr>
               <a:t>T</a:t>
+            </a:r>
+            <a:r>
+              <a:rPr lang="en-US" sz="1800">
+                <a:effectLst/>
+                <a:latin typeface="Times New Roman" panose="02020603050405020304" pitchFamily="18" charset="0"/>
+                <a:ea typeface="宋体" panose="02010600030101010101" pitchFamily="2" charset="-122"/>
+              </a:rPr>
+              <a:t>he </a:t>
+            </a:r>
+            <a:r>
+              <a:rPr lang="en-US" sz="1800">
+                <a:latin typeface="Times New Roman" panose="02020603050405020304" pitchFamily="18" charset="0"/>
+                <a:ea typeface="宋体" panose="02010600030101010101" pitchFamily="2" charset="-122"/>
+              </a:rPr>
+              <a:t>predictor</a:t>
+            </a:r>
+            <a:r>
+              <a:rPr lang="en-US" sz="1800">
+                <a:effectLst/>
+                <a:latin typeface="Times New Roman" panose="02020603050405020304" pitchFamily="18" charset="0"/>
+                <a:ea typeface="宋体" panose="02010600030101010101" pitchFamily="2" charset="-122"/>
+              </a:rPr>
+              <a:t> can be stored locally and later loaded </a:t>
             </a:r>
             <a:r>
               <a:rPr lang="en-US" sz="1800" dirty="0">
@@ -9575,11 +9748,14 @@
                 <a:latin typeface="Times New Roman" panose="02020603050405020304" pitchFamily="18" charset="0"/>
                 <a:ea typeface="宋体" panose="02010600030101010101" pitchFamily="2" charset="-122"/>
               </a:rPr>
-              <a:t>he project is now serializable, and we can store the trained model and use it for the upcoming training.</a:t>
+              <a:t>for the upcoming training.</a:t>
             </a:r>
           </a:p>
           <a:p>
             <a:pPr algn="just">
+              <a:lnSpc>
+                <a:spcPct val="200000"/>
+              </a:lnSpc>
               <a:buFont typeface="Wingdings" panose="05000000000000000000" pitchFamily="2" charset="2"/>
               <a:buChar char="Ø"/>
             </a:pPr>
@@ -9588,32 +9764,46 @@
                 <a:latin typeface="Times New Roman" panose="02020603050405020304" pitchFamily="18" charset="0"/>
                 <a:ea typeface="宋体" panose="02010600030101010101" pitchFamily="2" charset="-122"/>
               </a:rPr>
-              <a:t>By comparing predictions made using the standard predictor and the serialized predictor, this project proves that the serialization approach appears to be promising and reliable since the objects are serialized and deserialized accurately. </a:t>
+              <a:t>By comparing predictions made using </a:t>
+            </a:r>
+            <a:r>
+              <a:rPr lang="en-GB" sz="1800">
+                <a:latin typeface="Times New Roman" panose="02020603050405020304" pitchFamily="18" charset="0"/>
+                <a:ea typeface="宋体" panose="02010600030101010101" pitchFamily="2" charset="-122"/>
+              </a:rPr>
+              <a:t>the normal </a:t>
+            </a:r>
+            <a:r>
+              <a:rPr lang="en-GB" sz="1800" dirty="0">
+                <a:latin typeface="Times New Roman" panose="02020603050405020304" pitchFamily="18" charset="0"/>
+                <a:ea typeface="宋体" panose="02010600030101010101" pitchFamily="2" charset="-122"/>
+              </a:rPr>
+              <a:t>predictor and the serialized predictor, this project proves that the serialization approach appears to </a:t>
+            </a:r>
+            <a:r>
+              <a:rPr lang="en-GB" sz="1800">
+                <a:latin typeface="Times New Roman" panose="02020603050405020304" pitchFamily="18" charset="0"/>
+                <a:ea typeface="宋体" panose="02010600030101010101" pitchFamily="2" charset="-122"/>
+              </a:rPr>
+              <a:t>be accurate and </a:t>
+            </a:r>
+            <a:r>
+              <a:rPr lang="en-GB" sz="1800" dirty="0">
+                <a:latin typeface="Times New Roman" panose="02020603050405020304" pitchFamily="18" charset="0"/>
+                <a:ea typeface="宋体" panose="02010600030101010101" pitchFamily="2" charset="-122"/>
+              </a:rPr>
+              <a:t>reliable since the objects are serialized and </a:t>
+            </a:r>
+            <a:r>
+              <a:rPr lang="en-GB" sz="1800">
+                <a:latin typeface="Times New Roman" panose="02020603050405020304" pitchFamily="18" charset="0"/>
+                <a:ea typeface="宋体" panose="02010600030101010101" pitchFamily="2" charset="-122"/>
+              </a:rPr>
+              <a:t>deserialized correctly. </a:t>
             </a:r>
             <a:endParaRPr lang="en-US" sz="1800" dirty="0">
               <a:latin typeface="Times New Roman" panose="02020603050405020304" pitchFamily="18" charset="0"/>
               <a:ea typeface="宋体" panose="02010600030101010101" pitchFamily="2" charset="-122"/>
-            </a:endParaRPr>
-          </a:p>
-          <a:p>
-            <a:pPr>
-              <a:lnSpc>
-                <a:spcPct val="150000"/>
-              </a:lnSpc>
-              <a:buFont typeface="Wingdings" panose="05000000000000000000" pitchFamily="2" charset="2"/>
-              <a:buChar char="Ø"/>
-            </a:pPr>
-            <a:r>
-              <a:rPr lang="en-US" sz="1800" dirty="0">
-                <a:effectLst/>
-                <a:latin typeface="Times New Roman" panose="02020603050405020304" pitchFamily="18" charset="0"/>
-                <a:ea typeface="宋体" panose="02010600030101010101" pitchFamily="2" charset="-122"/>
-              </a:rPr>
-              <a:t>However, it is realized that the implementation is not totally complete as serialization for the scalar encoder is not successful yet. Further, research is necessary to identify how to do serialization of scalar encoder with this approach.</a:t>
-            </a:r>
-            <a:endParaRPr lang="en-US" sz="1800" dirty="0">
-              <a:latin typeface="Times New Roman" panose="02020603050405020304" pitchFamily="18" charset="0"/>
-              <a:cs typeface="Times New Roman" panose="02020603050405020304" pitchFamily="18" charset="0"/>
             </a:endParaRPr>
           </a:p>
         </p:txBody>

--- a/source/MySeProject/Documentation/Implement Temporal Memory Learning sample with Serialization.pptx
+++ b/source/MySeProject/Documentation/Implement Temporal Memory Learning sample with Serialization.pptx
@@ -7,12 +7,10 @@
   <p:sldIdLst>
     <p:sldId id="256" r:id="rId2"/>
     <p:sldId id="257" r:id="rId3"/>
-    <p:sldId id="259" r:id="rId4"/>
-    <p:sldId id="258" r:id="rId5"/>
-    <p:sldId id="260" r:id="rId6"/>
-    <p:sldId id="261" r:id="rId7"/>
-    <p:sldId id="262" r:id="rId8"/>
-    <p:sldId id="263" r:id="rId9"/>
+    <p:sldId id="258" r:id="rId4"/>
+    <p:sldId id="260" r:id="rId5"/>
+    <p:sldId id="261" r:id="rId6"/>
+    <p:sldId id="263" r:id="rId7"/>
   </p:sldIdLst>
   <p:sldSz cx="12192000" cy="6858000"/>
   <p:notesSz cx="6858000" cy="9144000"/>
@@ -345,7 +343,7 @@
           <a:p>
             <a:fld id="{4C3189FA-C76D-4256-BA17-FB752FF08BD1}" type="datetimeFigureOut">
               <a:rPr lang="en-US" smtClean="0"/>
-              <a:t>1/6/2024</a:t>
+              <a:t>1/23/2024</a:t>
             </a:fld>
             <a:endParaRPr lang="en-US"/>
           </a:p>
@@ -553,7 +551,7 @@
           <a:p>
             <a:fld id="{4C3189FA-C76D-4256-BA17-FB752FF08BD1}" type="datetimeFigureOut">
               <a:rPr lang="en-US" smtClean="0"/>
-              <a:t>1/6/2024</a:t>
+              <a:t>1/23/2024</a:t>
             </a:fld>
             <a:endParaRPr lang="en-US"/>
           </a:p>
@@ -809,7 +807,7 @@
           <a:p>
             <a:fld id="{4C3189FA-C76D-4256-BA17-FB752FF08BD1}" type="datetimeFigureOut">
               <a:rPr lang="en-US" smtClean="0"/>
-              <a:t>1/6/2024</a:t>
+              <a:t>1/23/2024</a:t>
             </a:fld>
             <a:endParaRPr lang="en-US"/>
           </a:p>
@@ -983,7 +981,7 @@
           <a:p>
             <a:fld id="{4C3189FA-C76D-4256-BA17-FB752FF08BD1}" type="datetimeFigureOut">
               <a:rPr lang="en-US" smtClean="0"/>
-              <a:t>1/6/2024</a:t>
+              <a:t>1/23/2024</a:t>
             </a:fld>
             <a:endParaRPr lang="en-US"/>
           </a:p>
@@ -1326,7 +1324,7 @@
           <a:p>
             <a:fld id="{4C3189FA-C76D-4256-BA17-FB752FF08BD1}" type="datetimeFigureOut">
               <a:rPr lang="en-US" smtClean="0"/>
-              <a:t>1/6/2024</a:t>
+              <a:t>1/23/2024</a:t>
             </a:fld>
             <a:endParaRPr lang="en-US"/>
           </a:p>
@@ -1601,7 +1599,7 @@
           <a:p>
             <a:fld id="{4C3189FA-C76D-4256-BA17-FB752FF08BD1}" type="datetimeFigureOut">
               <a:rPr lang="en-US" smtClean="0"/>
-              <a:t>1/6/2024</a:t>
+              <a:t>1/23/2024</a:t>
             </a:fld>
             <a:endParaRPr lang="en-US"/>
           </a:p>
@@ -1980,7 +1978,7 @@
           <a:p>
             <a:fld id="{4C3189FA-C76D-4256-BA17-FB752FF08BD1}" type="datetimeFigureOut">
               <a:rPr lang="en-US" smtClean="0"/>
-              <a:t>1/6/2024</a:t>
+              <a:t>1/23/2024</a:t>
             </a:fld>
             <a:endParaRPr lang="en-US"/>
           </a:p>
@@ -2098,7 +2096,7 @@
           <a:p>
             <a:fld id="{4C3189FA-C76D-4256-BA17-FB752FF08BD1}" type="datetimeFigureOut">
               <a:rPr lang="en-US" smtClean="0"/>
-              <a:t>1/6/2024</a:t>
+              <a:t>1/23/2024</a:t>
             </a:fld>
             <a:endParaRPr lang="en-US"/>
           </a:p>
@@ -2269,7 +2267,7 @@
           <a:p>
             <a:fld id="{4C3189FA-C76D-4256-BA17-FB752FF08BD1}" type="datetimeFigureOut">
               <a:rPr lang="en-US" smtClean="0"/>
-              <a:t>1/6/2024</a:t>
+              <a:t>1/23/2024</a:t>
             </a:fld>
             <a:endParaRPr lang="en-US"/>
           </a:p>
@@ -2623,7 +2621,7 @@
           <a:p>
             <a:fld id="{4C3189FA-C76D-4256-BA17-FB752FF08BD1}" type="datetimeFigureOut">
               <a:rPr lang="en-US" smtClean="0"/>
-              <a:t>1/6/2024</a:t>
+              <a:t>1/23/2024</a:t>
             </a:fld>
             <a:endParaRPr lang="en-US"/>
           </a:p>
@@ -3005,7 +3003,7 @@
           <a:p>
             <a:fld id="{4C3189FA-C76D-4256-BA17-FB752FF08BD1}" type="datetimeFigureOut">
               <a:rPr lang="en-US" smtClean="0"/>
-              <a:t>1/6/2024</a:t>
+              <a:t>1/23/2024</a:t>
             </a:fld>
             <a:endParaRPr lang="en-US"/>
           </a:p>
@@ -3292,7 +3290,7 @@
           <a:p>
             <a:fld id="{4C3189FA-C76D-4256-BA17-FB752FF08BD1}" type="datetimeFigureOut">
               <a:rPr lang="en-US" smtClean="0"/>
-              <a:t>1/6/2024</a:t>
+              <a:t>1/23/2024</a:t>
             </a:fld>
             <a:endParaRPr lang="en-US"/>
           </a:p>
@@ -5089,7 +5087,7 @@
         <p:spPr>
           <a:xfrm>
             <a:off x="1097280" y="286604"/>
-            <a:ext cx="10058400" cy="1400154"/>
+            <a:ext cx="10058400" cy="1161468"/>
           </a:xfrm>
         </p:spPr>
         <p:txBody>
@@ -5099,7 +5097,7 @@
           <a:lstStyle/>
           <a:p>
             <a:r>
-              <a:rPr lang="en-US" sz="3200" b="1">
+              <a:rPr lang="en-US" sz="3200" b="1" dirty="0">
                 <a:latin typeface="Times New Roman" panose="02020603050405020304" pitchFamily="18" charset="0"/>
                 <a:cs typeface="Times New Roman" panose="02020603050405020304" pitchFamily="18" charset="0"/>
               </a:rPr>
@@ -5126,8 +5124,8 @@
         </p:nvSpPr>
         <p:spPr>
           <a:xfrm>
-            <a:off x="1097280" y="1845734"/>
-            <a:ext cx="10958596" cy="4288736"/>
+            <a:off x="1097280" y="1782903"/>
+            <a:ext cx="10564451" cy="4569773"/>
           </a:xfrm>
         </p:spPr>
         <p:txBody>
@@ -5148,7 +5146,21 @@
                 <a:latin typeface="Times New Roman" panose="02020603050405020304" pitchFamily="18" charset="0"/>
                 <a:cs typeface="Times New Roman" panose="02020603050405020304" pitchFamily="18" charset="0"/>
               </a:rPr>
-              <a:t>In this project, serialization with Temporal Memory is implemented in Multi Sequence Learning. </a:t>
+              <a:t>In this project, serialization is implemented within Temporal Memory Learning Sample - </a:t>
+            </a:r>
+            <a:r>
+              <a:rPr lang="en-US" sz="1800" dirty="0" err="1">
+                <a:latin typeface="Times New Roman" panose="02020603050405020304" pitchFamily="18" charset="0"/>
+                <a:cs typeface="Times New Roman" panose="02020603050405020304" pitchFamily="18" charset="0"/>
+              </a:rPr>
+              <a:t>MultiSequenceLearning</a:t>
+            </a:r>
+            <a:r>
+              <a:rPr lang="en-US" sz="1800" dirty="0">
+                <a:latin typeface="Times New Roman" panose="02020603050405020304" pitchFamily="18" charset="0"/>
+                <a:cs typeface="Times New Roman" panose="02020603050405020304" pitchFamily="18" charset="0"/>
+              </a:rPr>
+              <a:t>. </a:t>
             </a:r>
           </a:p>
           <a:p>
@@ -5161,12 +5173,10 @@
             </a:pPr>
             <a:r>
               <a:rPr lang="en-US" sz="1800" dirty="0">
-                <a:effectLst/>
                 <a:latin typeface="Times New Roman" panose="02020603050405020304" pitchFamily="18" charset="0"/>
-                <a:ea typeface="Times New Roman" panose="02020603050405020304" pitchFamily="18" charset="0"/>
                 <a:cs typeface="Times New Roman" panose="02020603050405020304" pitchFamily="18" charset="0"/>
               </a:rPr>
-              <a:t>The state after prediction can be stored using the serialization technique.</a:t>
+              <a:t>The learning result can be serialized and later deserialized.</a:t>
             </a:r>
           </a:p>
           <a:p>
@@ -5332,7 +5342,7 @@
                 <a:latin typeface="Times New Roman" panose="02020603050405020304" pitchFamily="18" charset="0"/>
                 <a:cs typeface="Times New Roman" panose="02020603050405020304" pitchFamily="18" charset="0"/>
               </a:rPr>
-              <a:t>Comparing predictions made using the standard and serialized predictor to validate Serialization and Deserialization functionality.</a:t>
+              <a:t>Comparing predictions results of the normal and serialized predictor to validate Serialization and Deserialization implementation.</a:t>
             </a:r>
             <a:endParaRPr lang="en-US" dirty="0">
               <a:latin typeface="Times New Roman" panose="02020603050405020304" pitchFamily="18" charset="0"/>
@@ -6039,8 +6049,8 @@
         </p:nvSpPr>
         <p:spPr>
           <a:xfrm>
-            <a:off x="1097280" y="1802167"/>
-            <a:ext cx="10058400" cy="4066927"/>
+            <a:off x="1097280" y="2037214"/>
+            <a:ext cx="10058400" cy="3274907"/>
           </a:xfrm>
         </p:spPr>
         <p:txBody>
@@ -6057,36 +6067,12 @@
               <a:buChar char="Ø"/>
             </a:pPr>
             <a:r>
-              <a:rPr lang="en-US" sz="1800" b="1" dirty="0">
-                <a:effectLst/>
-                <a:latin typeface="Times New Roman" panose="02020603050405020304" pitchFamily="18" charset="0"/>
-                <a:ea typeface="Times New Roman" panose="02020603050405020304" pitchFamily="18" charset="0"/>
-              </a:rPr>
-              <a:t>Serialization</a:t>
-            </a:r>
-            <a:r>
               <a:rPr lang="en-US" sz="1800" dirty="0">
                 <a:effectLst/>
                 <a:latin typeface="Times New Roman" panose="02020603050405020304" pitchFamily="18" charset="0"/>
                 <a:ea typeface="Times New Roman" panose="02020603050405020304" pitchFamily="18" charset="0"/>
               </a:rPr>
-              <a:t> </a:t>
-            </a:r>
-            <a:r>
-              <a:rPr lang="en-GB" sz="1800" dirty="0">
-                <a:effectLst/>
-                <a:latin typeface="Times New Roman" panose="02020603050405020304" pitchFamily="18" charset="0"/>
-                <a:ea typeface="Times New Roman" panose="02020603050405020304" pitchFamily="18" charset="0"/>
-              </a:rPr>
-              <a:t>involves transforming an object into a format suitable for streaming, enabling it to be stored in a file, database, or memory</a:t>
-            </a:r>
-            <a:r>
-              <a:rPr lang="en-US" sz="1800" dirty="0">
-                <a:effectLst/>
-                <a:latin typeface="Times New Roman" panose="02020603050405020304" pitchFamily="18" charset="0"/>
-                <a:ea typeface="Times New Roman" panose="02020603050405020304" pitchFamily="18" charset="0"/>
-              </a:rPr>
-              <a:t>. The object is serialized to a stream, which carries not just the data, but information about the object's type.</a:t>
+              <a:t>To implement serialization with TM for the MSL project, we need to serialize the “Predictor” which is the output of MSL.</a:t>
             </a:r>
           </a:p>
           <a:p>
@@ -6097,10 +6083,14 @@
               <a:buFont typeface="Wingdings" panose="05000000000000000000" pitchFamily="2" charset="2"/>
               <a:buChar char="Ø"/>
             </a:pPr>
-            <a:endParaRPr lang="en-US" sz="1800" dirty="0">
-              <a:latin typeface="Times New Roman" panose="02020603050405020304" pitchFamily="18" charset="0"/>
-              <a:ea typeface="Times New Roman" panose="02020603050405020304" pitchFamily="18" charset="0"/>
-            </a:endParaRPr>
+            <a:r>
+              <a:rPr lang="en-US" sz="1800" dirty="0">
+                <a:effectLst/>
+                <a:latin typeface="Times New Roman" panose="02020603050405020304" pitchFamily="18" charset="0"/>
+                <a:ea typeface="Times New Roman" panose="02020603050405020304" pitchFamily="18" charset="0"/>
+              </a:rPr>
+              <a:t>The Predictor class inherits the interface ISerializable which defines serialization methods.</a:t>
+            </a:r>
           </a:p>
           <a:p>
             <a:pPr algn="just">
@@ -6111,12 +6101,11 @@
               <a:buChar char="Ø"/>
             </a:pPr>
             <a:r>
-              <a:rPr lang="en-US" sz="1800" b="1" dirty="0">
-                <a:effectLst/>
+              <a:rPr lang="en-US" sz="1800" dirty="0">
                 <a:latin typeface="Times New Roman" panose="02020603050405020304" pitchFamily="18" charset="0"/>
                 <a:ea typeface="Times New Roman" panose="02020603050405020304" pitchFamily="18" charset="0"/>
               </a:rPr>
-              <a:t>Deserialization</a:t>
+              <a:t>T</a:t>
             </a:r>
             <a:r>
               <a:rPr lang="en-US" sz="1800" dirty="0">
@@ -6124,795 +6113,7 @@
                 <a:latin typeface="Times New Roman" panose="02020603050405020304" pitchFamily="18" charset="0"/>
                 <a:ea typeface="Times New Roman" panose="02020603050405020304" pitchFamily="18" charset="0"/>
               </a:rPr>
-              <a:t> </a:t>
-            </a:r>
-            <a:r>
-              <a:rPr lang="en-GB" sz="1800" dirty="0">
-                <a:effectLst/>
-                <a:latin typeface="Times New Roman" panose="02020603050405020304" pitchFamily="18" charset="0"/>
-                <a:ea typeface="Times New Roman" panose="02020603050405020304" pitchFamily="18" charset="0"/>
-              </a:rPr>
-              <a:t>is the counterpart of Serialization and involves retrieving a serialized object for future use. Essentially, it restores the object's state by configuring properties, fields, and other relevant attributes.</a:t>
-            </a:r>
-            <a:endParaRPr lang="en-US" sz="1800" dirty="0">
-              <a:effectLst/>
-              <a:latin typeface="Times New Roman" panose="02020603050405020304" pitchFamily="18" charset="0"/>
-              <a:ea typeface="Times New Roman" panose="02020603050405020304" pitchFamily="18" charset="0"/>
-            </a:endParaRPr>
-          </a:p>
-          <a:p>
-            <a:pPr algn="just">
-              <a:lnSpc>
-                <a:spcPct val="150000"/>
-              </a:lnSpc>
-              <a:buFont typeface="Wingdings" panose="05000000000000000000" pitchFamily="2" charset="2"/>
-              <a:buChar char="Ø"/>
-            </a:pPr>
-            <a:endParaRPr lang="en-US" dirty="0">
-              <a:latin typeface="Times New Roman" panose="02020603050405020304" pitchFamily="18" charset="0"/>
-              <a:cs typeface="Times New Roman" panose="02020603050405020304" pitchFamily="18" charset="0"/>
-            </a:endParaRPr>
-          </a:p>
-        </p:txBody>
-      </p:sp>
-      <p:grpSp>
-        <p:nvGrpSpPr>
-          <p:cNvPr id="4" name="Group 3">
-            <a:extLst>
-              <a:ext uri="{FF2B5EF4-FFF2-40B4-BE49-F238E27FC236}">
-                <a16:creationId xmlns:a16="http://schemas.microsoft.com/office/drawing/2014/main" id="{504EBC93-E7C8-9A2C-78A8-B1D14C7CC1F7}"/>
-              </a:ext>
-            </a:extLst>
-          </p:cNvPr>
-          <p:cNvGrpSpPr>
-            <a:grpSpLocks/>
-          </p:cNvGrpSpPr>
-          <p:nvPr/>
-        </p:nvGrpSpPr>
-        <p:grpSpPr bwMode="auto">
-          <a:xfrm>
-            <a:off x="6373496" y="0"/>
-            <a:ext cx="5818504" cy="1782904"/>
-            <a:chOff x="0" y="0"/>
-            <a:chExt cx="58184" cy="17828"/>
-          </a:xfrm>
-        </p:grpSpPr>
-        <p:sp>
-          <p:nvSpPr>
-            <p:cNvPr id="5" name="Rectangle 4">
-              <a:extLst>
-                <a:ext uri="{FF2B5EF4-FFF2-40B4-BE49-F238E27FC236}">
-                  <a16:creationId xmlns:a16="http://schemas.microsoft.com/office/drawing/2014/main" id="{B27C5BC2-3184-4D56-A1C1-238C39F2AF88}"/>
-                </a:ext>
-              </a:extLst>
-            </p:cNvPr>
-            <p:cNvSpPr>
-              <a:spLocks noChangeArrowheads="1"/>
-            </p:cNvSpPr>
-            <p:nvPr/>
-          </p:nvSpPr>
-          <p:spPr bwMode="auto">
-            <a:xfrm>
-              <a:off x="57619" y="10472"/>
-              <a:ext cx="458" cy="2064"/>
-            </a:xfrm>
-            <a:prstGeom prst="rect">
-              <a:avLst/>
-            </a:prstGeom>
-            <a:noFill/>
-            <a:ln>
-              <a:noFill/>
-            </a:ln>
-            <a:extLst>
-              <a:ext uri="{909E8E84-426E-40DD-AFC4-6F175D3DCCD1}">
-                <a14:hiddenFill xmlns:a14="http://schemas.microsoft.com/office/drawing/2010/main">
-                  <a:solidFill>
-                    <a:srgbClr val="FFFFFF"/>
-                  </a:solidFill>
-                </a14:hiddenFill>
-              </a:ext>
-              <a:ext uri="{91240B29-F687-4F45-9708-019B960494DF}">
-                <a14:hiddenLine xmlns:a14="http://schemas.microsoft.com/office/drawing/2010/main" w="9525">
-                  <a:solidFill>
-                    <a:srgbClr val="000000"/>
-                  </a:solidFill>
-                  <a:miter lim="800000"/>
-                  <a:headEnd/>
-                  <a:tailEnd/>
-                </a14:hiddenLine>
-              </a:ext>
-            </a:extLst>
-          </p:spPr>
-          <p:txBody>
-            <a:bodyPr rot="0" vert="horz" wrap="square" lIns="0" tIns="0" rIns="0" bIns="0" anchor="t" anchorCtr="0" upright="1">
-              <a:noAutofit/>
-            </a:bodyPr>
-            <a:lstStyle/>
-            <a:p>
-              <a:pPr marL="0" marR="0" indent="0">
-                <a:lnSpc>
-                  <a:spcPct val="107000"/>
-                </a:lnSpc>
-                <a:spcBef>
-                  <a:spcPts val="0"/>
-                </a:spcBef>
-                <a:spcAft>
-                  <a:spcPts val="800"/>
-                </a:spcAft>
-              </a:pPr>
-              <a:r>
-                <a:rPr lang="en-US" sz="1200">
-                  <a:solidFill>
-                    <a:srgbClr val="000000"/>
-                  </a:solidFill>
-                  <a:effectLst/>
-                  <a:latin typeface="Calibri" panose="020F0502020204030204" pitchFamily="34" charset="0"/>
-                  <a:ea typeface="Calibri" panose="020F0502020204030204" pitchFamily="34" charset="0"/>
-                </a:rPr>
-                <a:t> </a:t>
-              </a:r>
-            </a:p>
-          </p:txBody>
-        </p:sp>
-        <p:sp>
-          <p:nvSpPr>
-            <p:cNvPr id="6" name="Rectangle 5">
-              <a:extLst>
-                <a:ext uri="{FF2B5EF4-FFF2-40B4-BE49-F238E27FC236}">
-                  <a16:creationId xmlns:a16="http://schemas.microsoft.com/office/drawing/2014/main" id="{BA0D0A0E-D4ED-B915-9D53-725157C8598E}"/>
-                </a:ext>
-              </a:extLst>
-            </p:cNvPr>
-            <p:cNvSpPr>
-              <a:spLocks noChangeArrowheads="1"/>
-            </p:cNvSpPr>
-            <p:nvPr/>
-          </p:nvSpPr>
-          <p:spPr bwMode="auto">
-            <a:xfrm>
-              <a:off x="57726" y="12331"/>
-              <a:ext cx="458" cy="2065"/>
-            </a:xfrm>
-            <a:prstGeom prst="rect">
-              <a:avLst/>
-            </a:prstGeom>
-            <a:noFill/>
-            <a:ln>
-              <a:noFill/>
-            </a:ln>
-            <a:extLst>
-              <a:ext uri="{909E8E84-426E-40DD-AFC4-6F175D3DCCD1}">
-                <a14:hiddenFill xmlns:a14="http://schemas.microsoft.com/office/drawing/2010/main">
-                  <a:solidFill>
-                    <a:srgbClr val="FFFFFF"/>
-                  </a:solidFill>
-                </a14:hiddenFill>
-              </a:ext>
-              <a:ext uri="{91240B29-F687-4F45-9708-019B960494DF}">
-                <a14:hiddenLine xmlns:a14="http://schemas.microsoft.com/office/drawing/2010/main" w="9525">
-                  <a:solidFill>
-                    <a:srgbClr val="000000"/>
-                  </a:solidFill>
-                  <a:miter lim="800000"/>
-                  <a:headEnd/>
-                  <a:tailEnd/>
-                </a14:hiddenLine>
-              </a:ext>
-            </a:extLst>
-          </p:spPr>
-          <p:txBody>
-            <a:bodyPr rot="0" vert="horz" wrap="square" lIns="0" tIns="0" rIns="0" bIns="0" anchor="t" anchorCtr="0" upright="1">
-              <a:noAutofit/>
-            </a:bodyPr>
-            <a:lstStyle/>
-            <a:p>
-              <a:pPr marL="0" marR="0" indent="0">
-                <a:lnSpc>
-                  <a:spcPct val="107000"/>
-                </a:lnSpc>
-                <a:spcBef>
-                  <a:spcPts val="0"/>
-                </a:spcBef>
-                <a:spcAft>
-                  <a:spcPts val="800"/>
-                </a:spcAft>
-              </a:pPr>
-              <a:r>
-                <a:rPr lang="en-US" sz="1200">
-                  <a:solidFill>
-                    <a:srgbClr val="000000"/>
-                  </a:solidFill>
-                  <a:effectLst/>
-                  <a:latin typeface="Calibri" panose="020F0502020204030204" pitchFamily="34" charset="0"/>
-                  <a:ea typeface="Calibri" panose="020F0502020204030204" pitchFamily="34" charset="0"/>
-                </a:rPr>
-                <a:t> </a:t>
-              </a:r>
-            </a:p>
-          </p:txBody>
-        </p:sp>
-        <p:pic>
-          <p:nvPicPr>
-            <p:cNvPr id="7" name="Picture 6">
-              <a:extLst>
-                <a:ext uri="{FF2B5EF4-FFF2-40B4-BE49-F238E27FC236}">
-                  <a16:creationId xmlns:a16="http://schemas.microsoft.com/office/drawing/2014/main" id="{DB14E606-3EB5-D4D5-02AE-3D0526B27FDB}"/>
-                </a:ext>
-              </a:extLst>
-            </p:cNvPr>
-            <p:cNvPicPr>
-              <a:picLocks noChangeAspect="1" noChangeArrowheads="1"/>
-            </p:cNvPicPr>
-            <p:nvPr/>
-          </p:nvPicPr>
-          <p:blipFill>
-            <a:blip r:embed="rId2">
-              <a:extLst>
-                <a:ext uri="{28A0092B-C50C-407E-A947-70E740481C1C}">
-                  <a14:useLocalDpi xmlns:a14="http://schemas.microsoft.com/office/drawing/2010/main" val="0"/>
-                </a:ext>
-              </a:extLst>
-            </a:blip>
-            <a:srcRect/>
-            <a:stretch>
-              <a:fillRect/>
-            </a:stretch>
-          </p:blipFill>
-          <p:spPr bwMode="auto">
-            <a:xfrm>
-              <a:off x="33569" y="0"/>
-              <a:ext cx="24038" cy="11614"/>
-            </a:xfrm>
-            <a:prstGeom prst="rect">
-              <a:avLst/>
-            </a:prstGeom>
-            <a:noFill/>
-            <a:extLst>
-              <a:ext uri="{909E8E84-426E-40DD-AFC4-6F175D3DCCD1}">
-                <a14:hiddenFill xmlns:a14="http://schemas.microsoft.com/office/drawing/2010/main">
-                  <a:solidFill>
-                    <a:srgbClr val="FFFFFF"/>
-                  </a:solidFill>
-                </a14:hiddenFill>
-              </a:ext>
-            </a:extLst>
-          </p:spPr>
-        </p:pic>
-        <p:sp>
-          <p:nvSpPr>
-            <p:cNvPr id="8" name="Shape 11">
-              <a:extLst>
-                <a:ext uri="{FF2B5EF4-FFF2-40B4-BE49-F238E27FC236}">
-                  <a16:creationId xmlns:a16="http://schemas.microsoft.com/office/drawing/2014/main" id="{93545FF8-EDD3-15C0-03F5-F33D75297B69}"/>
-                </a:ext>
-              </a:extLst>
-            </p:cNvPr>
-            <p:cNvSpPr>
-              <a:spLocks/>
-            </p:cNvSpPr>
-            <p:nvPr/>
-          </p:nvSpPr>
-          <p:spPr bwMode="auto">
-            <a:xfrm>
-              <a:off x="3" y="13093"/>
-              <a:ext cx="57594" cy="108"/>
-            </a:xfrm>
-            <a:custGeom>
-              <a:avLst/>
-              <a:gdLst>
-                <a:gd name="T0" fmla="*/ 2879725 w 5759450"/>
-                <a:gd name="T1" fmla="*/ 0 h 10795"/>
-                <a:gd name="T2" fmla="*/ 4470146 w 5759450"/>
-                <a:gd name="T3" fmla="*/ 0 h 10795"/>
-                <a:gd name="T4" fmla="*/ 5759450 w 5759450"/>
-                <a:gd name="T5" fmla="*/ 2413 h 10795"/>
-                <a:gd name="T6" fmla="*/ 5759450 w 5759450"/>
-                <a:gd name="T7" fmla="*/ 5334 h 10795"/>
-                <a:gd name="T8" fmla="*/ 5759450 w 5759450"/>
-                <a:gd name="T9" fmla="*/ 8382 h 10795"/>
-                <a:gd name="T10" fmla="*/ 4470146 w 5759450"/>
-                <a:gd name="T11" fmla="*/ 10795 h 10795"/>
-                <a:gd name="T12" fmla="*/ 2879725 w 5759450"/>
-                <a:gd name="T13" fmla="*/ 10795 h 10795"/>
-                <a:gd name="T14" fmla="*/ 1289304 w 5759450"/>
-                <a:gd name="T15" fmla="*/ 10795 h 10795"/>
-                <a:gd name="T16" fmla="*/ 0 w 5759450"/>
-                <a:gd name="T17" fmla="*/ 8382 h 10795"/>
-                <a:gd name="T18" fmla="*/ 0 w 5759450"/>
-                <a:gd name="T19" fmla="*/ 5334 h 10795"/>
-                <a:gd name="T20" fmla="*/ 0 w 5759450"/>
-                <a:gd name="T21" fmla="*/ 2413 h 10795"/>
-                <a:gd name="T22" fmla="*/ 1289304 w 5759450"/>
-                <a:gd name="T23" fmla="*/ 0 h 10795"/>
-                <a:gd name="T24" fmla="*/ 2879725 w 5759450"/>
-                <a:gd name="T25" fmla="*/ 0 h 10795"/>
-                <a:gd name="T26" fmla="*/ 0 w 5759450"/>
-                <a:gd name="T27" fmla="*/ 0 h 10795"/>
-                <a:gd name="T28" fmla="*/ 5759450 w 5759450"/>
-                <a:gd name="T29" fmla="*/ 10795 h 10795"/>
-              </a:gdLst>
-              <a:ahLst/>
-              <a:cxnLst>
-                <a:cxn ang="0">
-                  <a:pos x="T0" y="T1"/>
-                </a:cxn>
-                <a:cxn ang="0">
-                  <a:pos x="T2" y="T3"/>
-                </a:cxn>
-                <a:cxn ang="0">
-                  <a:pos x="T4" y="T5"/>
-                </a:cxn>
-                <a:cxn ang="0">
-                  <a:pos x="T6" y="T7"/>
-                </a:cxn>
-                <a:cxn ang="0">
-                  <a:pos x="T8" y="T9"/>
-                </a:cxn>
-                <a:cxn ang="0">
-                  <a:pos x="T10" y="T11"/>
-                </a:cxn>
-                <a:cxn ang="0">
-                  <a:pos x="T12" y="T13"/>
-                </a:cxn>
-                <a:cxn ang="0">
-                  <a:pos x="T14" y="T15"/>
-                </a:cxn>
-                <a:cxn ang="0">
-                  <a:pos x="T16" y="T17"/>
-                </a:cxn>
-                <a:cxn ang="0">
-                  <a:pos x="T18" y="T19"/>
-                </a:cxn>
-                <a:cxn ang="0">
-                  <a:pos x="T20" y="T21"/>
-                </a:cxn>
-                <a:cxn ang="0">
-                  <a:pos x="T22" y="T23"/>
-                </a:cxn>
-                <a:cxn ang="0">
-                  <a:pos x="T24" y="T25"/>
-                </a:cxn>
-              </a:cxnLst>
-              <a:rect l="T26" t="T27" r="T28" b="T29"/>
-              <a:pathLst>
-                <a:path w="5759450" h="10795">
-                  <a:moveTo>
-                    <a:pt x="2879725" y="0"/>
-                  </a:moveTo>
-                  <a:cubicBezTo>
-                    <a:pt x="4470146" y="0"/>
-                    <a:pt x="5759450" y="2413"/>
-                    <a:pt x="5759450" y="5334"/>
-                  </a:cubicBezTo>
-                  <a:cubicBezTo>
-                    <a:pt x="5759450" y="8382"/>
-                    <a:pt x="4470146" y="10795"/>
-                    <a:pt x="2879725" y="10795"/>
-                  </a:cubicBezTo>
-                  <a:cubicBezTo>
-                    <a:pt x="1289304" y="10795"/>
-                    <a:pt x="0" y="8382"/>
-                    <a:pt x="0" y="5334"/>
-                  </a:cubicBezTo>
-                  <a:cubicBezTo>
-                    <a:pt x="0" y="2413"/>
-                    <a:pt x="1289304" y="0"/>
-                    <a:pt x="2879725" y="0"/>
-                  </a:cubicBezTo>
-                  <a:close/>
-                </a:path>
-              </a:pathLst>
-            </a:custGeom>
-            <a:solidFill>
-              <a:srgbClr val="4F81BD"/>
-            </a:solidFill>
-            <a:ln>
-              <a:noFill/>
-            </a:ln>
-            <a:extLst>
-              <a:ext uri="{91240B29-F687-4F45-9708-019B960494DF}">
-                <a14:hiddenLine xmlns:a14="http://schemas.microsoft.com/office/drawing/2010/main" w="0">
-                  <a:solidFill>
-                    <a:srgbClr val="000000"/>
-                  </a:solidFill>
-                  <a:miter lim="127000"/>
-                  <a:headEnd/>
-                  <a:tailEnd/>
-                </a14:hiddenLine>
-              </a:ext>
-            </a:extLst>
-          </p:spPr>
-          <p:txBody>
-            <a:bodyPr rot="0" vert="horz" wrap="square" lIns="91440" tIns="45720" rIns="91440" bIns="45720" anchor="t" anchorCtr="0" upright="1">
-              <a:noAutofit/>
-            </a:bodyPr>
-            <a:lstStyle/>
-            <a:p>
-              <a:endParaRPr lang="en-US"/>
-            </a:p>
-          </p:txBody>
-        </p:sp>
-        <p:sp>
-          <p:nvSpPr>
-            <p:cNvPr id="9" name="Shape 12">
-              <a:extLst>
-                <a:ext uri="{FF2B5EF4-FFF2-40B4-BE49-F238E27FC236}">
-                  <a16:creationId xmlns:a16="http://schemas.microsoft.com/office/drawing/2014/main" id="{BE12E264-3AE8-4034-4C79-8C641057A9AE}"/>
-                </a:ext>
-              </a:extLst>
-            </p:cNvPr>
-            <p:cNvSpPr>
-              <a:spLocks/>
-            </p:cNvSpPr>
-            <p:nvPr/>
-          </p:nvSpPr>
-          <p:spPr bwMode="auto">
-            <a:xfrm>
-              <a:off x="3" y="13093"/>
-              <a:ext cx="57594" cy="108"/>
-            </a:xfrm>
-            <a:custGeom>
-              <a:avLst/>
-              <a:gdLst>
-                <a:gd name="T0" fmla="*/ 0 w 5759450"/>
-                <a:gd name="T1" fmla="*/ 5334 h 10795"/>
-                <a:gd name="T2" fmla="*/ 0 w 5759450"/>
-                <a:gd name="T3" fmla="*/ 2413 h 10795"/>
-                <a:gd name="T4" fmla="*/ 1289304 w 5759450"/>
-                <a:gd name="T5" fmla="*/ 0 h 10795"/>
-                <a:gd name="T6" fmla="*/ 2879725 w 5759450"/>
-                <a:gd name="T7" fmla="*/ 0 h 10795"/>
-                <a:gd name="T8" fmla="*/ 4470146 w 5759450"/>
-                <a:gd name="T9" fmla="*/ 0 h 10795"/>
-                <a:gd name="T10" fmla="*/ 5759450 w 5759450"/>
-                <a:gd name="T11" fmla="*/ 2413 h 10795"/>
-                <a:gd name="T12" fmla="*/ 5759450 w 5759450"/>
-                <a:gd name="T13" fmla="*/ 5334 h 10795"/>
-                <a:gd name="T14" fmla="*/ 5759450 w 5759450"/>
-                <a:gd name="T15" fmla="*/ 8382 h 10795"/>
-                <a:gd name="T16" fmla="*/ 4470146 w 5759450"/>
-                <a:gd name="T17" fmla="*/ 10795 h 10795"/>
-                <a:gd name="T18" fmla="*/ 2879725 w 5759450"/>
-                <a:gd name="T19" fmla="*/ 10795 h 10795"/>
-                <a:gd name="T20" fmla="*/ 1289304 w 5759450"/>
-                <a:gd name="T21" fmla="*/ 10795 h 10795"/>
-                <a:gd name="T22" fmla="*/ 0 w 5759450"/>
-                <a:gd name="T23" fmla="*/ 8382 h 10795"/>
-                <a:gd name="T24" fmla="*/ 0 w 5759450"/>
-                <a:gd name="T25" fmla="*/ 5334 h 10795"/>
-                <a:gd name="T26" fmla="*/ 0 w 5759450"/>
-                <a:gd name="T27" fmla="*/ 0 h 10795"/>
-                <a:gd name="T28" fmla="*/ 5759450 w 5759450"/>
-                <a:gd name="T29" fmla="*/ 10795 h 10795"/>
-              </a:gdLst>
-              <a:ahLst/>
-              <a:cxnLst>
-                <a:cxn ang="0">
-                  <a:pos x="T0" y="T1"/>
-                </a:cxn>
-                <a:cxn ang="0">
-                  <a:pos x="T2" y="T3"/>
-                </a:cxn>
-                <a:cxn ang="0">
-                  <a:pos x="T4" y="T5"/>
-                </a:cxn>
-                <a:cxn ang="0">
-                  <a:pos x="T6" y="T7"/>
-                </a:cxn>
-                <a:cxn ang="0">
-                  <a:pos x="T8" y="T9"/>
-                </a:cxn>
-                <a:cxn ang="0">
-                  <a:pos x="T10" y="T11"/>
-                </a:cxn>
-                <a:cxn ang="0">
-                  <a:pos x="T12" y="T13"/>
-                </a:cxn>
-                <a:cxn ang="0">
-                  <a:pos x="T14" y="T15"/>
-                </a:cxn>
-                <a:cxn ang="0">
-                  <a:pos x="T16" y="T17"/>
-                </a:cxn>
-                <a:cxn ang="0">
-                  <a:pos x="T18" y="T19"/>
-                </a:cxn>
-                <a:cxn ang="0">
-                  <a:pos x="T20" y="T21"/>
-                </a:cxn>
-                <a:cxn ang="0">
-                  <a:pos x="T22" y="T23"/>
-                </a:cxn>
-                <a:cxn ang="0">
-                  <a:pos x="T24" y="T25"/>
-                </a:cxn>
-              </a:cxnLst>
-              <a:rect l="T26" t="T27" r="T28" b="T29"/>
-              <a:pathLst>
-                <a:path w="5759450" h="10795">
-                  <a:moveTo>
-                    <a:pt x="0" y="5334"/>
-                  </a:moveTo>
-                  <a:cubicBezTo>
-                    <a:pt x="0" y="2413"/>
-                    <a:pt x="1289304" y="0"/>
-                    <a:pt x="2879725" y="0"/>
-                  </a:cubicBezTo>
-                  <a:cubicBezTo>
-                    <a:pt x="4470146" y="0"/>
-                    <a:pt x="5759450" y="2413"/>
-                    <a:pt x="5759450" y="5334"/>
-                  </a:cubicBezTo>
-                  <a:cubicBezTo>
-                    <a:pt x="5759450" y="8382"/>
-                    <a:pt x="4470146" y="10795"/>
-                    <a:pt x="2879725" y="10795"/>
-                  </a:cubicBezTo>
-                  <a:cubicBezTo>
-                    <a:pt x="1289304" y="10795"/>
-                    <a:pt x="0" y="8382"/>
-                    <a:pt x="0" y="5334"/>
-                  </a:cubicBezTo>
-                  <a:close/>
-                </a:path>
-              </a:pathLst>
-            </a:custGeom>
-            <a:noFill/>
-            <a:ln w="25400">
-              <a:solidFill>
-                <a:srgbClr val="4F81BD"/>
-              </a:solidFill>
-              <a:round/>
-              <a:headEnd/>
-              <a:tailEnd/>
-            </a:ln>
-            <a:extLst>
-              <a:ext uri="{909E8E84-426E-40DD-AFC4-6F175D3DCCD1}">
-                <a14:hiddenFill xmlns:a14="http://schemas.microsoft.com/office/drawing/2010/main">
-                  <a:solidFill>
-                    <a:srgbClr val="FFFFFF"/>
-                  </a:solidFill>
-                </a14:hiddenFill>
-              </a:ext>
-            </a:extLst>
-          </p:spPr>
-          <p:txBody>
-            <a:bodyPr rot="0" vert="horz" wrap="square" lIns="91440" tIns="45720" rIns="91440" bIns="45720" anchor="t" anchorCtr="0" upright="1">
-              <a:noAutofit/>
-            </a:bodyPr>
-            <a:lstStyle/>
-            <a:p>
-              <a:endParaRPr lang="en-US"/>
-            </a:p>
-          </p:txBody>
-        </p:sp>
-        <p:sp>
-          <p:nvSpPr>
-            <p:cNvPr id="10" name="Rectangle 9">
-              <a:extLst>
-                <a:ext uri="{FF2B5EF4-FFF2-40B4-BE49-F238E27FC236}">
-                  <a16:creationId xmlns:a16="http://schemas.microsoft.com/office/drawing/2014/main" id="{E39AF7D7-342D-1C2A-0D80-46BBA7758A8E}"/>
-                </a:ext>
-              </a:extLst>
-            </p:cNvPr>
-            <p:cNvSpPr>
-              <a:spLocks noChangeArrowheads="1"/>
-            </p:cNvSpPr>
-            <p:nvPr/>
-          </p:nvSpPr>
-          <p:spPr bwMode="auto">
-            <a:xfrm>
-              <a:off x="0" y="14050"/>
-              <a:ext cx="838" cy="3778"/>
-            </a:xfrm>
-            <a:prstGeom prst="rect">
-              <a:avLst/>
-            </a:prstGeom>
-            <a:noFill/>
-            <a:ln>
-              <a:noFill/>
-            </a:ln>
-            <a:extLst>
-              <a:ext uri="{909E8E84-426E-40DD-AFC4-6F175D3DCCD1}">
-                <a14:hiddenFill xmlns:a14="http://schemas.microsoft.com/office/drawing/2010/main">
-                  <a:solidFill>
-                    <a:srgbClr val="FFFFFF"/>
-                  </a:solidFill>
-                </a14:hiddenFill>
-              </a:ext>
-              <a:ext uri="{91240B29-F687-4F45-9708-019B960494DF}">
-                <a14:hiddenLine xmlns:a14="http://schemas.microsoft.com/office/drawing/2010/main" w="9525">
-                  <a:solidFill>
-                    <a:srgbClr val="000000"/>
-                  </a:solidFill>
-                  <a:miter lim="800000"/>
-                  <a:headEnd/>
-                  <a:tailEnd/>
-                </a14:hiddenLine>
-              </a:ext>
-            </a:extLst>
-          </p:spPr>
-          <p:txBody>
-            <a:bodyPr rot="0" vert="horz" wrap="square" lIns="0" tIns="0" rIns="0" bIns="0" anchor="t" anchorCtr="0" upright="1">
-              <a:noAutofit/>
-            </a:bodyPr>
-            <a:lstStyle/>
-            <a:p>
-              <a:pPr marL="0" marR="0" indent="0">
-                <a:lnSpc>
-                  <a:spcPct val="107000"/>
-                </a:lnSpc>
-                <a:spcBef>
-                  <a:spcPts val="0"/>
-                </a:spcBef>
-                <a:spcAft>
-                  <a:spcPts val="800"/>
-                </a:spcAft>
-              </a:pPr>
-              <a:r>
-                <a:rPr lang="en-US" sz="2200">
-                  <a:solidFill>
-                    <a:srgbClr val="000000"/>
-                  </a:solidFill>
-                  <a:effectLst/>
-                  <a:latin typeface="Calibri" panose="020F0502020204030204" pitchFamily="34" charset="0"/>
-                  <a:ea typeface="Calibri" panose="020F0502020204030204" pitchFamily="34" charset="0"/>
-                </a:rPr>
-                <a:t> </a:t>
-              </a:r>
-              <a:endParaRPr lang="en-US" sz="1200">
-                <a:solidFill>
-                  <a:srgbClr val="000000"/>
-                </a:solidFill>
-                <a:effectLst/>
-                <a:latin typeface="Calibri" panose="020F0502020204030204" pitchFamily="34" charset="0"/>
-                <a:ea typeface="Calibri" panose="020F0502020204030204" pitchFamily="34" charset="0"/>
-              </a:endParaRPr>
-            </a:p>
-          </p:txBody>
-        </p:sp>
-      </p:grpSp>
-    </p:spTree>
-    <p:extLst>
-      <p:ext uri="{BB962C8B-B14F-4D97-AF65-F5344CB8AC3E}">
-        <p14:creationId xmlns:p14="http://schemas.microsoft.com/office/powerpoint/2010/main" val="1391302547"/>
-      </p:ext>
-    </p:extLst>
-  </p:cSld>
-  <p:clrMapOvr>
-    <a:masterClrMapping/>
-  </p:clrMapOvr>
-</p:sld>
-</file>
-
-<file path=ppt/slides/slide4.xml><?xml version="1.0" encoding="utf-8"?>
-<p:sld xmlns:a="http://schemas.openxmlformats.org/drawingml/2006/main" xmlns:r="http://schemas.openxmlformats.org/officeDocument/2006/relationships" xmlns:p="http://schemas.openxmlformats.org/presentationml/2006/main">
-  <p:cSld>
-    <p:spTree>
-      <p:nvGrpSpPr>
-        <p:cNvPr id="1" name=""/>
-        <p:cNvGrpSpPr/>
-        <p:nvPr/>
-      </p:nvGrpSpPr>
-      <p:grpSpPr>
-        <a:xfrm>
-          <a:off x="0" y="0"/>
-          <a:ext cx="0" cy="0"/>
-          <a:chOff x="0" y="0"/>
-          <a:chExt cx="0" cy="0"/>
-        </a:xfrm>
-      </p:grpSpPr>
-      <p:sp>
-        <p:nvSpPr>
-          <p:cNvPr id="2" name="Title 1">
-            <a:extLst>
-              <a:ext uri="{FF2B5EF4-FFF2-40B4-BE49-F238E27FC236}">
-                <a16:creationId xmlns:a16="http://schemas.microsoft.com/office/drawing/2014/main" id="{5AB7F852-B615-2F54-4735-85960D75AE40}"/>
-              </a:ext>
-            </a:extLst>
-          </p:cNvPr>
-          <p:cNvSpPr>
-            <a:spLocks noGrp="1"/>
-          </p:cNvSpPr>
-          <p:nvPr>
-            <p:ph type="title"/>
-          </p:nvPr>
-        </p:nvSpPr>
-        <p:spPr/>
-        <p:txBody>
-          <a:bodyPr>
-            <a:normAutofit/>
-          </a:bodyPr>
-          <a:lstStyle/>
-          <a:p>
-            <a:r>
-              <a:rPr lang="en-US" sz="3200" b="1">
-                <a:latin typeface="Times New Roman" panose="02020603050405020304" pitchFamily="18" charset="0"/>
-                <a:cs typeface="Times New Roman" panose="02020603050405020304" pitchFamily="18" charset="0"/>
-              </a:rPr>
-              <a:t>METHODS</a:t>
-            </a:r>
-          </a:p>
-        </p:txBody>
-      </p:sp>
-      <p:sp>
-        <p:nvSpPr>
-          <p:cNvPr id="3" name="Content Placeholder 2">
-            <a:extLst>
-              <a:ext uri="{FF2B5EF4-FFF2-40B4-BE49-F238E27FC236}">
-                <a16:creationId xmlns:a16="http://schemas.microsoft.com/office/drawing/2014/main" id="{99F459D5-0E51-0832-B73E-428AE930F0FC}"/>
-              </a:ext>
-            </a:extLst>
-          </p:cNvPr>
-          <p:cNvSpPr>
-            <a:spLocks noGrp="1"/>
-          </p:cNvSpPr>
-          <p:nvPr>
-            <p:ph idx="1"/>
-          </p:nvPr>
-        </p:nvSpPr>
-        <p:spPr/>
-        <p:txBody>
-          <a:bodyPr>
-            <a:normAutofit/>
-          </a:bodyPr>
-          <a:lstStyle/>
-          <a:p>
-            <a:pPr algn="just">
-              <a:lnSpc>
-                <a:spcPct val="150000"/>
-              </a:lnSpc>
-              <a:buFont typeface="Wingdings" panose="05000000000000000000" pitchFamily="2" charset="2"/>
-              <a:buChar char="Ø"/>
-            </a:pPr>
-            <a:r>
-              <a:rPr lang="en-US" sz="1800" dirty="0">
-                <a:effectLst/>
-                <a:latin typeface="Times New Roman" panose="02020603050405020304" pitchFamily="18" charset="0"/>
-                <a:ea typeface="Times New Roman" panose="02020603050405020304" pitchFamily="18" charset="0"/>
-              </a:rPr>
-              <a:t>To implement serialization with TM for the MSL project, we need at first make the “Predictor” which is the output of MSL become serializable.</a:t>
-            </a:r>
-          </a:p>
-          <a:p>
-            <a:pPr algn="just">
-              <a:lnSpc>
-                <a:spcPct val="150000"/>
-              </a:lnSpc>
-              <a:buFont typeface="Wingdings" panose="05000000000000000000" pitchFamily="2" charset="2"/>
-              <a:buChar char="Ø"/>
-            </a:pPr>
-            <a:r>
-              <a:rPr lang="en-US" sz="1800" dirty="0">
-                <a:effectLst/>
-                <a:latin typeface="Times New Roman" panose="02020603050405020304" pitchFamily="18" charset="0"/>
-                <a:ea typeface="Times New Roman" panose="02020603050405020304" pitchFamily="18" charset="0"/>
-              </a:rPr>
-              <a:t>The Predictor class inherits the interface ISerializable which defines serialization methods.</a:t>
-            </a:r>
-          </a:p>
-          <a:p>
-            <a:pPr algn="just">
-              <a:lnSpc>
-                <a:spcPct val="150000"/>
-              </a:lnSpc>
-              <a:buFont typeface="Wingdings" panose="05000000000000000000" pitchFamily="2" charset="2"/>
-              <a:buChar char="Ø"/>
-            </a:pPr>
-            <a:r>
-              <a:rPr lang="en-US" sz="1800" dirty="0">
-                <a:latin typeface="Times New Roman" panose="02020603050405020304" pitchFamily="18" charset="0"/>
-                <a:ea typeface="Times New Roman" panose="02020603050405020304" pitchFamily="18" charset="0"/>
-              </a:rPr>
-              <a:t>T</a:t>
-            </a:r>
-            <a:r>
-              <a:rPr lang="en-US" sz="1800" dirty="0">
-                <a:effectLst/>
-                <a:latin typeface="Times New Roman" panose="02020603050405020304" pitchFamily="18" charset="0"/>
-                <a:ea typeface="Times New Roman" panose="02020603050405020304" pitchFamily="18" charset="0"/>
-              </a:rPr>
-              <a:t>he “Predictor” which is the output of MSL must be serializable. Thus, </a:t>
+              <a:t>he </a:t>
             </a:r>
             <a:r>
               <a:rPr lang="en-US" sz="1800" dirty="0">
@@ -6948,40 +6149,6 @@
               </a:rPr>
               <a:t> methods are implemented in the Predictor class.</a:t>
             </a:r>
-          </a:p>
-          <a:p>
-            <a:pPr algn="just">
-              <a:lnSpc>
-                <a:spcPct val="150000"/>
-              </a:lnSpc>
-              <a:buFont typeface="Wingdings" panose="05000000000000000000" pitchFamily="2" charset="2"/>
-              <a:buChar char="Ø"/>
-            </a:pPr>
-            <a:r>
-              <a:rPr lang="en-US" sz="1800" dirty="0">
-                <a:latin typeface="Times New Roman" panose="02020603050405020304" pitchFamily="18" charset="0"/>
-                <a:ea typeface="Times New Roman" panose="02020603050405020304" pitchFamily="18" charset="0"/>
-              </a:rPr>
-              <a:t>However, methods for the serialization of objects which are in the Predictor layers are required. </a:t>
-            </a:r>
-            <a:endParaRPr lang="en-US" sz="1800" dirty="0">
-              <a:effectLst/>
-              <a:latin typeface="Times New Roman" panose="02020603050405020304" pitchFamily="18" charset="0"/>
-              <a:ea typeface="Times New Roman" panose="02020603050405020304" pitchFamily="18" charset="0"/>
-            </a:endParaRPr>
-          </a:p>
-          <a:p>
-            <a:pPr algn="just">
-              <a:lnSpc>
-                <a:spcPct val="150000"/>
-              </a:lnSpc>
-              <a:buFont typeface="Wingdings" panose="05000000000000000000" pitchFamily="2" charset="2"/>
-              <a:buChar char="Ø"/>
-            </a:pPr>
-            <a:endParaRPr lang="en-US" sz="1800" dirty="0">
-              <a:latin typeface="Times New Roman" panose="02020603050405020304" pitchFamily="18" charset="0"/>
-              <a:cs typeface="Times New Roman" panose="02020603050405020304" pitchFamily="18" charset="0"/>
-            </a:endParaRPr>
           </a:p>
         </p:txBody>
       </p:sp>
@@ -7615,7 +6782,7 @@
 </p:sld>
 </file>
 
-<file path=ppt/slides/slide5.xml><?xml version="1.0" encoding="utf-8"?>
+<file path=ppt/slides/slide4.xml><?xml version="1.0" encoding="utf-8"?>
 <p:sld xmlns:a="http://schemas.openxmlformats.org/drawingml/2006/main" xmlns:r="http://schemas.openxmlformats.org/officeDocument/2006/relationships" xmlns:p="http://schemas.openxmlformats.org/presentationml/2006/main">
   <p:cSld>
     <p:bg>
@@ -7669,11 +6836,11 @@
           <a:lstStyle/>
           <a:p>
             <a:r>
-              <a:rPr lang="en-US" sz="3200" b="1">
+              <a:rPr lang="en-US" sz="3200" b="1" dirty="0">
                 <a:latin typeface="Times New Roman" panose="02020603050405020304" pitchFamily="18" charset="0"/>
                 <a:cs typeface="Times New Roman" panose="02020603050405020304" pitchFamily="18" charset="0"/>
               </a:rPr>
-              <a:t>METHODS</a:t>
+              <a:t>Experiment</a:t>
             </a:r>
           </a:p>
         </p:txBody>
@@ -7696,8 +6863,8 @@
         </p:nvSpPr>
         <p:spPr>
           <a:xfrm>
-            <a:off x="1097279" y="1845734"/>
-            <a:ext cx="10058400" cy="4023360"/>
+            <a:off x="1097278" y="1845734"/>
+            <a:ext cx="10244637" cy="4023360"/>
           </a:xfrm>
         </p:spPr>
         <p:txBody>
@@ -7707,6 +6874,9 @@
           <a:lstStyle/>
           <a:p>
             <a:pPr algn="just">
+              <a:lnSpc>
+                <a:spcPct val="200000"/>
+              </a:lnSpc>
               <a:buFont typeface="Wingdings" panose="05000000000000000000" pitchFamily="2" charset="2"/>
               <a:buChar char="Ø"/>
             </a:pPr>
@@ -7717,18 +6887,17 @@
                 </a:solidFill>
                 <a:latin typeface="Times New Roman" panose="02020603050405020304" pitchFamily="18" charset="0"/>
               </a:rPr>
-              <a:t>Multi Sequence Learning (MSL) experiment demonstrates how to learn two sequences and how to use the prediction mechanism through the </a:t>
-            </a:r>
-            <a:r>
-              <a:rPr lang="en-GB" sz="1800" dirty="0">
-                <a:solidFill>
-                  <a:srgbClr val="000000"/>
-                </a:solidFill>
-                <a:latin typeface="Times New Roman" panose="02020603050405020304" pitchFamily="18" charset="0"/>
-                <a:hlinkClick r:id="rId2"/>
-              </a:rPr>
-              <a:t>RunMultiSequenceSerializationExperiment() </a:t>
-            </a:r>
+              <a:t>An experiment is made to verify the implementation of serialization.</a:t>
+            </a:r>
+          </a:p>
+          <a:p>
+            <a:pPr algn="just">
+              <a:lnSpc>
+                <a:spcPct val="200000"/>
+              </a:lnSpc>
+              <a:buFont typeface="Wingdings" panose="05000000000000000000" pitchFamily="2" charset="2"/>
+              <a:buChar char="Ø"/>
+            </a:pPr>
             <a:r>
               <a:rPr lang="en-GB" sz="1800" dirty="0">
                 <a:solidFill>
@@ -7736,22 +6905,7 @@
                 </a:solidFill>
                 <a:latin typeface="Times New Roman" panose="02020603050405020304" pitchFamily="18" charset="0"/>
               </a:rPr>
-              <a:t>method.</a:t>
-            </a:r>
-          </a:p>
-          <a:p>
-            <a:pPr algn="just">
-              <a:buFont typeface="Wingdings" panose="05000000000000000000" pitchFamily="2" charset="2"/>
-              <a:buChar char="Ø"/>
-            </a:pPr>
-            <a:r>
-              <a:rPr lang="en-GB" sz="1800" dirty="0">
-                <a:solidFill>
-                  <a:srgbClr val="000000"/>
-                </a:solidFill>
-                <a:latin typeface="Times New Roman" panose="02020603050405020304" pitchFamily="18" charset="0"/>
-              </a:rPr>
-              <a:t>For testing purposes, we defined two instances of class Predictor i.e., "predictor" for normal predictor and "</a:t>
+              <a:t>For testing purposes, the learning returns two instances of class Predictor i.e., "predictor" for normal predictor and "</a:t>
             </a:r>
             <a:r>
               <a:rPr lang="en-GB" sz="1800" dirty="0" err="1">
@@ -7774,6 +6928,9 @@
           </a:p>
           <a:p>
             <a:pPr algn="just">
+              <a:lnSpc>
+                <a:spcPct val="200000"/>
+              </a:lnSpc>
               <a:buFont typeface="Wingdings" panose="05000000000000000000" pitchFamily="2" charset="2"/>
               <a:buChar char="Ø"/>
             </a:pPr>
@@ -7784,17 +6941,17 @@
                 </a:solidFill>
                 <a:latin typeface="Times New Roman" panose="02020603050405020304" pitchFamily="18" charset="0"/>
               </a:rPr>
-              <a:t>We compare the prediction output from the "predictor" and "</a:t>
-            </a:r>
-            <a:r>
-              <a:rPr lang="en-GB" sz="1800" dirty="0" err="1">
-                <a:solidFill>
-                  <a:srgbClr val="000000"/>
-                </a:solidFill>
-                <a:latin typeface="Times New Roman" panose="02020603050405020304" pitchFamily="18" charset="0"/>
-              </a:rPr>
-              <a:t>serializedPredictor</a:t>
-            </a:r>
+              <a:t>The “predictor” and “serialized Predictor” are both used to make prediction.</a:t>
+            </a:r>
+          </a:p>
+          <a:p>
+            <a:pPr algn="just">
+              <a:lnSpc>
+                <a:spcPct val="200000"/>
+              </a:lnSpc>
+              <a:buFont typeface="Wingdings" panose="05000000000000000000" pitchFamily="2" charset="2"/>
+              <a:buChar char="Ø"/>
+            </a:pPr>
             <a:r>
               <a:rPr lang="en-GB" sz="1800" dirty="0">
                 <a:solidFill>
@@ -7802,11 +6959,14 @@
                 </a:solidFill>
                 <a:latin typeface="Times New Roman" panose="02020603050405020304" pitchFamily="18" charset="0"/>
               </a:rPr>
-              <a:t>" instances. The same prediction (5, 4, 2) was made by both the normal predictor and the serialized predictor with the same accuracy. </a:t>
+              <a:t>The same prediction  was made by the two predictor instances with the same accuracy. </a:t>
             </a:r>
           </a:p>
           <a:p>
             <a:pPr algn="just">
+              <a:lnSpc>
+                <a:spcPct val="200000"/>
+              </a:lnSpc>
               <a:buFont typeface="Wingdings" panose="05000000000000000000" pitchFamily="2" charset="2"/>
               <a:buChar char="Ø"/>
             </a:pPr>
@@ -7817,7 +6977,7 @@
                 </a:solidFill>
                 <a:latin typeface="Times New Roman" panose="02020603050405020304" pitchFamily="18" charset="0"/>
               </a:rPr>
-              <a:t>This proves that the serialization approach appears to be correct since the output from both predictors is the same. </a:t>
+              <a:t>This proves that the serialization implementation was correct. </a:t>
             </a:r>
             <a:endParaRPr lang="en-US" sz="1800" dirty="0">
               <a:solidFill>
@@ -8019,7 +7179,7 @@
             <p:nvPr/>
           </p:nvPicPr>
           <p:blipFill>
-            <a:blip r:embed="rId3">
+            <a:blip r:embed="rId2">
               <a:extLst>
                 <a:ext uri="{28A0092B-C50C-407E-A947-70E740481C1C}">
                   <a14:useLocalDpi xmlns:a14="http://schemas.microsoft.com/office/drawing/2010/main" val="0"/>
@@ -8458,7 +7618,7 @@
 </p:sld>
 </file>
 
-<file path=ppt/slides/slide6.xml><?xml version="1.0" encoding="utf-8"?>
+<file path=ppt/slides/slide5.xml><?xml version="1.0" encoding="utf-8"?>
 <p:sld xmlns:a="http://schemas.openxmlformats.org/drawingml/2006/main" xmlns:r="http://schemas.openxmlformats.org/officeDocument/2006/relationships" xmlns:p="http://schemas.openxmlformats.org/presentationml/2006/main">
   <p:cSld>
     <p:spTree>
@@ -8550,97 +7710,13 @@
                 </a:solidFill>
                 <a:latin typeface="Times New Roman" panose="02020603050405020304" pitchFamily="18" charset="0"/>
               </a:rPr>
-              <a:t> Implementation of serialization with Temporal Memory in the Multi Sequence Learning (MSL) project is successful. The methods (</a:t>
-            </a:r>
-            <a:r>
-              <a:rPr lang="en-US" sz="1800" u="sng" dirty="0">
-                <a:solidFill>
-                  <a:srgbClr val="0000FF"/>
-                </a:solidFill>
-                <a:effectLst/>
-                <a:latin typeface="Times New Roman" panose="02020603050405020304" pitchFamily="18" charset="0"/>
-                <a:ea typeface="Times New Roman" panose="02020603050405020304" pitchFamily="18" charset="0"/>
-                <a:hlinkClick r:id="rId2"/>
-              </a:rPr>
-              <a:t>Serialize()</a:t>
-            </a:r>
-            <a:r>
-              <a:rPr lang="en-US" sz="1800" dirty="0">
-                <a:effectLst/>
-                <a:latin typeface="Times New Roman" panose="02020603050405020304" pitchFamily="18" charset="0"/>
-                <a:ea typeface="Times New Roman" panose="02020603050405020304" pitchFamily="18" charset="0"/>
-              </a:rPr>
-              <a:t>, </a:t>
-            </a:r>
-            <a:r>
-              <a:rPr lang="en-US" sz="1800" u="sng" dirty="0">
-                <a:solidFill>
-                  <a:srgbClr val="0000FF"/>
-                </a:solidFill>
-                <a:effectLst/>
-                <a:latin typeface="Times New Roman" panose="02020603050405020304" pitchFamily="18" charset="0"/>
-                <a:ea typeface="Times New Roman" panose="02020603050405020304" pitchFamily="18" charset="0"/>
-                <a:hlinkClick r:id="rId3"/>
-              </a:rPr>
-              <a:t>Deserialize()</a:t>
-            </a:r>
-            <a:r>
-              <a:rPr lang="en-US" sz="1800" dirty="0">
-                <a:effectLst/>
-                <a:latin typeface="Times New Roman" panose="02020603050405020304" pitchFamily="18" charset="0"/>
-                <a:ea typeface="Times New Roman" panose="02020603050405020304" pitchFamily="18" charset="0"/>
-              </a:rPr>
-              <a:t>, </a:t>
-            </a:r>
-            <a:r>
-              <a:rPr lang="en-US" sz="1800" u="sng" dirty="0">
-                <a:solidFill>
-                  <a:srgbClr val="0000FF"/>
-                </a:solidFill>
-                <a:effectLst/>
-                <a:latin typeface="Times New Roman" panose="02020603050405020304" pitchFamily="18" charset="0"/>
-                <a:ea typeface="Times New Roman" panose="02020603050405020304" pitchFamily="18" charset="0"/>
-                <a:hlinkClick r:id="rId4"/>
-              </a:rPr>
-              <a:t>Save()</a:t>
-            </a:r>
-            <a:r>
-              <a:rPr lang="en-US" sz="1800" dirty="0">
-                <a:effectLst/>
-                <a:latin typeface="Times New Roman" panose="02020603050405020304" pitchFamily="18" charset="0"/>
-                <a:ea typeface="Times New Roman" panose="02020603050405020304" pitchFamily="18" charset="0"/>
-              </a:rPr>
-              <a:t>, and </a:t>
-            </a:r>
-            <a:r>
-              <a:rPr lang="en-US" sz="1800" u="sng" dirty="0">
-                <a:solidFill>
-                  <a:srgbClr val="0000FF"/>
-                </a:solidFill>
-                <a:effectLst/>
-                <a:latin typeface="Times New Roman" panose="02020603050405020304" pitchFamily="18" charset="0"/>
-                <a:ea typeface="Times New Roman" panose="02020603050405020304" pitchFamily="18" charset="0"/>
-                <a:hlinkClick r:id="rId5"/>
-              </a:rPr>
-              <a:t>Load()</a:t>
-            </a:r>
-            <a:r>
-              <a:rPr lang="en-US" sz="1800" dirty="0">
-                <a:effectLst/>
-                <a:latin typeface="Times New Roman" panose="02020603050405020304" pitchFamily="18" charset="0"/>
-                <a:ea typeface="Times New Roman" panose="02020603050405020304" pitchFamily="18" charset="0"/>
-              </a:rPr>
-              <a:t>) </a:t>
-            </a:r>
-            <a:r>
-              <a:rPr lang="en-US" sz="1800" dirty="0">
-                <a:solidFill>
-                  <a:srgbClr val="000000"/>
-                </a:solidFill>
-                <a:latin typeface="Times New Roman" panose="02020603050405020304" pitchFamily="18" charset="0"/>
-              </a:rPr>
-              <a:t>are implemented in the Predictor class.</a:t>
-            </a:r>
+              <a:t> Implementation of serialization with Temporal Memory in the Multi Sequence Learning (MSL) project is successful.</a:t>
+            </a:r>
+            <a:endParaRPr lang="en-US" sz="1800" dirty="0">
+              <a:effectLst/>
+              <a:latin typeface="Times New Roman" panose="02020603050405020304" pitchFamily="18" charset="0"/>
+              <a:ea typeface="Times New Roman" panose="02020603050405020304" pitchFamily="18" charset="0"/>
+            </a:endParaRPr>
           </a:p>
           <a:p>
             <a:pPr>
@@ -8651,25 +7727,14 @@
               <a:buChar char="Ø"/>
             </a:pPr>
             <a:r>
-              <a:rPr lang="en-US" sz="1800" dirty="0">
-                <a:solidFill>
-                  <a:srgbClr val="000000"/>
-                </a:solidFill>
-                <a:latin typeface="Times New Roman" panose="02020603050405020304" pitchFamily="18" charset="0"/>
-              </a:rPr>
-              <a:t>Methods for serialization and deserialization of Predictor properties are also implemented which are </a:t>
-            </a:r>
-            <a:r>
               <a:rPr lang="en-US" sz="1800" u="sng" dirty="0">
                 <a:solidFill>
                   <a:srgbClr val="0000FF"/>
                 </a:solidFill>
-                <a:effectLst/>
                 <a:latin typeface="Times New Roman" panose="02020603050405020304" pitchFamily="18" charset="0"/>
                 <a:ea typeface="Times New Roman" panose="02020603050405020304" pitchFamily="18" charset="0"/>
-                <a:hlinkClick r:id="rId6"/>
               </a:rPr>
-              <a:t>HtmClassifer.Serialize()</a:t>
+              <a:t>An Experiment</a:t>
             </a:r>
             <a:r>
               <a:rPr lang="en-US" sz="1800" dirty="0">
@@ -8677,19 +7742,14 @@
                 <a:latin typeface="Times New Roman" panose="02020603050405020304" pitchFamily="18" charset="0"/>
                 <a:ea typeface="Times New Roman" panose="02020603050405020304" pitchFamily="18" charset="0"/>
               </a:rPr>
-              <a:t>, </a:t>
-            </a:r>
-            <a:r>
-              <a:rPr lang="en-US" sz="1800" u="sng" dirty="0">
-                <a:solidFill>
-                  <a:srgbClr val="0000FF"/>
-                </a:solidFill>
-                <a:effectLst/>
+              <a:t> was carried out to </a:t>
+            </a:r>
+            <a:r>
+              <a:rPr lang="en-US" sz="1800" dirty="0">
                 <a:latin typeface="Times New Roman" panose="02020603050405020304" pitchFamily="18" charset="0"/>
                 <a:ea typeface="Times New Roman" panose="02020603050405020304" pitchFamily="18" charset="0"/>
-                <a:hlinkClick r:id="rId7"/>
               </a:rPr>
-              <a:t>HtmClassifier.Deserialize()</a:t>
+              <a:t>validate</a:t>
             </a:r>
             <a:r>
               <a:rPr lang="en-US" sz="1800" dirty="0">
@@ -8697,19 +7757,14 @@
                 <a:latin typeface="Times New Roman" panose="02020603050405020304" pitchFamily="18" charset="0"/>
                 <a:ea typeface="Times New Roman" panose="02020603050405020304" pitchFamily="18" charset="0"/>
               </a:rPr>
-              <a:t>,  </a:t>
-            </a:r>
-            <a:r>
-              <a:rPr lang="en-US" sz="1800" u="sng" dirty="0">
-                <a:solidFill>
-                  <a:srgbClr val="0000FF"/>
-                </a:solidFill>
-                <a:effectLst/>
+              <a:t> the serialization and deseriali</a:t>
+            </a:r>
+            <a:r>
+              <a:rPr lang="en-US" sz="1800" dirty="0">
                 <a:latin typeface="Times New Roman" panose="02020603050405020304" pitchFamily="18" charset="0"/>
                 <a:ea typeface="Times New Roman" panose="02020603050405020304" pitchFamily="18" charset="0"/>
-                <a:hlinkClick r:id="rId8"/>
               </a:rPr>
-              <a:t>CortexLayer.Serialize()</a:t>
+              <a:t>zation methods</a:t>
             </a:r>
             <a:r>
               <a:rPr lang="en-US" sz="1800" dirty="0">
@@ -8717,7 +7772,7 @@
                 <a:latin typeface="Times New Roman" panose="02020603050405020304" pitchFamily="18" charset="0"/>
                 <a:ea typeface="Times New Roman" panose="02020603050405020304" pitchFamily="18" charset="0"/>
               </a:rPr>
-              <a:t>, …</a:t>
+              <a:t>.</a:t>
             </a:r>
           </a:p>
           <a:p>
@@ -8729,68 +7784,13 @@
               <a:buChar char="Ø"/>
             </a:pPr>
             <a:r>
-              <a:rPr lang="en-US" sz="1800" u="sng" dirty="0">
-                <a:solidFill>
-                  <a:srgbClr val="0000FF"/>
-                </a:solidFill>
-                <a:latin typeface="Times New Roman" panose="02020603050405020304" pitchFamily="18" charset="0"/>
-                <a:ea typeface="Times New Roman" panose="02020603050405020304" pitchFamily="18" charset="0"/>
-                <a:hlinkClick r:id="rId9"/>
-              </a:rPr>
-              <a:t>A</a:t>
-            </a:r>
-            <a:r>
-              <a:rPr lang="en-US" sz="1800" u="sng" dirty="0">
-                <a:solidFill>
-                  <a:srgbClr val="0000FF"/>
-                </a:solidFill>
-                <a:effectLst/>
-                <a:latin typeface="Times New Roman" panose="02020603050405020304" pitchFamily="18" charset="0"/>
-                <a:ea typeface="Times New Roman" panose="02020603050405020304" pitchFamily="18" charset="0"/>
-                <a:hlinkClick r:id="rId9"/>
-              </a:rPr>
-              <a:t>n MSL example</a:t>
-            </a:r>
-            <a:r>
-              <a:rPr lang="en-US" sz="1800" dirty="0">
-                <a:effectLst/>
-                <a:latin typeface="Times New Roman" panose="02020603050405020304" pitchFamily="18" charset="0"/>
-                <a:ea typeface="Times New Roman" panose="02020603050405020304" pitchFamily="18" charset="0"/>
-              </a:rPr>
-              <a:t> has been made to </a:t>
-            </a:r>
-            <a:r>
-              <a:rPr lang="en-US" sz="1800" dirty="0">
-                <a:latin typeface="Times New Roman" panose="02020603050405020304" pitchFamily="18" charset="0"/>
-                <a:ea typeface="Times New Roman" panose="02020603050405020304" pitchFamily="18" charset="0"/>
-              </a:rPr>
-              <a:t>validate</a:t>
-            </a:r>
-            <a:r>
-              <a:rPr lang="en-US" sz="1800" dirty="0">
-                <a:effectLst/>
-                <a:latin typeface="Times New Roman" panose="02020603050405020304" pitchFamily="18" charset="0"/>
-                <a:ea typeface="Times New Roman" panose="02020603050405020304" pitchFamily="18" charset="0"/>
-              </a:rPr>
-              <a:t> the use of Serialization in the MSL project.</a:t>
-            </a:r>
-          </a:p>
-          <a:p>
-            <a:pPr>
-              <a:lnSpc>
-                <a:spcPct val="150000"/>
-              </a:lnSpc>
-              <a:buFont typeface="Wingdings" panose="05000000000000000000" pitchFamily="2" charset="2"/>
-              <a:buChar char="Ø"/>
-            </a:pPr>
-            <a:r>
               <a:rPr lang="en-GB" sz="1800" dirty="0">
                 <a:solidFill>
                   <a:srgbClr val="000000"/>
                 </a:solidFill>
                 <a:latin typeface="Times New Roman" panose="02020603050405020304" pitchFamily="18" charset="0"/>
               </a:rPr>
-              <a:t>P</a:t>
+              <a:t>Same P</a:t>
             </a:r>
             <a:r>
               <a:rPr lang="en-GB" sz="1800" b="0" i="0" u="none" strike="noStrike" baseline="0" dirty="0">
@@ -8799,7 +7799,25 @@
                 </a:solidFill>
                 <a:latin typeface="Times New Roman" panose="02020603050405020304" pitchFamily="18" charset="0"/>
               </a:rPr>
-              <a:t>redictions were executed using both the standard predictor and the serialized predictor. The results of predictions from both predictors were scrutinized and found to be identical. </a:t>
+              <a:t>redictions was given by both the </a:t>
+            </a:r>
+            <a:r>
+              <a:rPr lang="en-GB" sz="1800" dirty="0">
+                <a:solidFill>
+                  <a:srgbClr val="000000"/>
+                </a:solidFill>
+                <a:latin typeface="Times New Roman" panose="02020603050405020304" pitchFamily="18" charset="0"/>
+              </a:rPr>
+              <a:t>normal</a:t>
+            </a:r>
+            <a:r>
+              <a:rPr lang="en-GB" sz="1800" b="0" i="0" u="none" strike="noStrike" baseline="0" dirty="0">
+                <a:solidFill>
+                  <a:srgbClr val="000000"/>
+                </a:solidFill>
+                <a:latin typeface="Times New Roman" panose="02020603050405020304" pitchFamily="18" charset="0"/>
+              </a:rPr>
+              <a:t> predictor and the serialized predictor.</a:t>
             </a:r>
             <a:endParaRPr lang="en-US" sz="1800" dirty="0">
               <a:latin typeface="Times New Roman" panose="02020603050405020304" pitchFamily="18" charset="0"/>
@@ -8999,7 +8017,7 @@
             <p:nvPr/>
           </p:nvPicPr>
           <p:blipFill>
-            <a:blip r:embed="rId10">
+            <a:blip r:embed="rId2">
               <a:extLst>
                 <a:ext uri="{28A0092B-C50C-407E-A947-70E740481C1C}">
                   <a14:useLocalDpi xmlns:a14="http://schemas.microsoft.com/office/drawing/2010/main" val="0"/>
@@ -9438,817 +8456,7 @@
 </p:sld>
 </file>
 
-<file path=ppt/slides/slide7.xml><?xml version="1.0" encoding="utf-8"?>
-<p:sld xmlns:a="http://schemas.openxmlformats.org/drawingml/2006/main" xmlns:r="http://schemas.openxmlformats.org/officeDocument/2006/relationships" xmlns:p="http://schemas.openxmlformats.org/presentationml/2006/main">
-  <p:cSld>
-    <p:spTree>
-      <p:nvGrpSpPr>
-        <p:cNvPr id="1" name=""/>
-        <p:cNvGrpSpPr/>
-        <p:nvPr/>
-      </p:nvGrpSpPr>
-      <p:grpSpPr>
-        <a:xfrm>
-          <a:off x="0" y="0"/>
-          <a:ext cx="0" cy="0"/>
-          <a:chOff x="0" y="0"/>
-          <a:chExt cx="0" cy="0"/>
-        </a:xfrm>
-      </p:grpSpPr>
-      <p:sp>
-        <p:nvSpPr>
-          <p:cNvPr id="2" name="Title 1">
-            <a:extLst>
-              <a:ext uri="{FF2B5EF4-FFF2-40B4-BE49-F238E27FC236}">
-                <a16:creationId xmlns:a16="http://schemas.microsoft.com/office/drawing/2014/main" id="{5AB7F852-B615-2F54-4735-85960D75AE40}"/>
-              </a:ext>
-            </a:extLst>
-          </p:cNvPr>
-          <p:cNvSpPr>
-            <a:spLocks noGrp="1"/>
-          </p:cNvSpPr>
-          <p:nvPr>
-            <p:ph type="title"/>
-          </p:nvPr>
-        </p:nvSpPr>
-        <p:spPr/>
-        <p:txBody>
-          <a:bodyPr>
-            <a:normAutofit/>
-          </a:bodyPr>
-          <a:lstStyle/>
-          <a:p>
-            <a:r>
-              <a:rPr lang="en-US" sz="3200" b="1">
-                <a:latin typeface="Times New Roman" panose="02020603050405020304" pitchFamily="18" charset="0"/>
-                <a:cs typeface="Times New Roman" panose="02020603050405020304" pitchFamily="18" charset="0"/>
-              </a:rPr>
-              <a:t>DISCUSSION</a:t>
-            </a:r>
-          </a:p>
-        </p:txBody>
-      </p:sp>
-      <p:sp>
-        <p:nvSpPr>
-          <p:cNvPr id="3" name="Content Placeholder 2">
-            <a:extLst>
-              <a:ext uri="{FF2B5EF4-FFF2-40B4-BE49-F238E27FC236}">
-                <a16:creationId xmlns:a16="http://schemas.microsoft.com/office/drawing/2014/main" id="{99F459D5-0E51-0832-B73E-428AE930F0FC}"/>
-              </a:ext>
-            </a:extLst>
-          </p:cNvPr>
-          <p:cNvSpPr>
-            <a:spLocks noGrp="1"/>
-          </p:cNvSpPr>
-          <p:nvPr>
-            <p:ph idx="1"/>
-          </p:nvPr>
-        </p:nvSpPr>
-        <p:spPr>
-          <a:xfrm>
-            <a:off x="1097280" y="1845733"/>
-            <a:ext cx="10058400" cy="4208837"/>
-          </a:xfrm>
-        </p:spPr>
-        <p:txBody>
-          <a:bodyPr>
-            <a:normAutofit/>
-          </a:bodyPr>
-          <a:lstStyle/>
-          <a:p>
-            <a:pPr>
-              <a:lnSpc>
-                <a:spcPct val="150000"/>
-              </a:lnSpc>
-              <a:buFont typeface="Wingdings" panose="05000000000000000000" pitchFamily="2" charset="2"/>
-              <a:buChar char="Ø"/>
-            </a:pPr>
-            <a:r>
-              <a:rPr lang="en-US" sz="1800" dirty="0">
-                <a:latin typeface="Times New Roman" panose="02020603050405020304" pitchFamily="18" charset="0"/>
-                <a:cs typeface="Times New Roman" panose="02020603050405020304" pitchFamily="18" charset="0"/>
-              </a:rPr>
-              <a:t>Serialization with Temporal Memory in Multi Sequence Learning is implemented successfully. </a:t>
-            </a:r>
-          </a:p>
-          <a:p>
-            <a:pPr>
-              <a:lnSpc>
-                <a:spcPct val="150000"/>
-              </a:lnSpc>
-              <a:buFont typeface="Wingdings" panose="05000000000000000000" pitchFamily="2" charset="2"/>
-              <a:buChar char="Ø"/>
-            </a:pPr>
-            <a:r>
-              <a:rPr lang="en-US" sz="1800" dirty="0">
-                <a:effectLst/>
-                <a:latin typeface="Times New Roman" panose="02020603050405020304" pitchFamily="18" charset="0"/>
-                <a:ea typeface="宋体" panose="02010600030101010101" pitchFamily="2" charset="-122"/>
-              </a:rPr>
-              <a:t>The properties of the Predictor class and the Predictor instance are successfully serialized.</a:t>
-            </a:r>
-            <a:endParaRPr lang="en-US" sz="1800" dirty="0">
-              <a:effectLst/>
-              <a:latin typeface="Times New Roman" panose="02020603050405020304" pitchFamily="18" charset="0"/>
-              <a:ea typeface="宋体" panose="02010600030101010101" pitchFamily="2" charset="-122"/>
-              <a:cs typeface="Times New Roman" panose="02020603050405020304" pitchFamily="18" charset="0"/>
-            </a:endParaRPr>
-          </a:p>
-          <a:p>
-            <a:pPr>
-              <a:lnSpc>
-                <a:spcPct val="150000"/>
-              </a:lnSpc>
-              <a:buFont typeface="Wingdings" panose="05000000000000000000" pitchFamily="2" charset="2"/>
-              <a:buChar char="Ø"/>
-            </a:pPr>
-            <a:r>
-              <a:rPr lang="en-US" sz="1800" dirty="0">
-                <a:latin typeface="Times New Roman" panose="02020603050405020304" pitchFamily="18" charset="0"/>
-                <a:ea typeface="宋体" panose="02010600030101010101" pitchFamily="2" charset="-122"/>
-              </a:rPr>
-              <a:t>T</a:t>
-            </a:r>
-            <a:r>
-              <a:rPr lang="en-US" sz="1800" dirty="0">
-                <a:effectLst/>
-                <a:latin typeface="Times New Roman" panose="02020603050405020304" pitchFamily="18" charset="0"/>
-                <a:ea typeface="宋体" panose="02010600030101010101" pitchFamily="2" charset="-122"/>
-              </a:rPr>
-              <a:t>he project is now serializable, and we can store the trained model and use it for the upcoming training.</a:t>
-            </a:r>
-          </a:p>
-          <a:p>
-            <a:pPr algn="just">
-              <a:buFont typeface="Wingdings" panose="05000000000000000000" pitchFamily="2" charset="2"/>
-              <a:buChar char="Ø"/>
-            </a:pPr>
-            <a:r>
-              <a:rPr lang="en-GB" sz="1800" dirty="0">
-                <a:latin typeface="Times New Roman" panose="02020603050405020304" pitchFamily="18" charset="0"/>
-                <a:ea typeface="宋体" panose="02010600030101010101" pitchFamily="2" charset="-122"/>
-              </a:rPr>
-              <a:t>By comparing predictions made using the standard predictor and the serialized predictor, this project proves that the serialization approach appears to be promising and reliable since the objects are serialized and deserialized accurately. </a:t>
-            </a:r>
-            <a:endParaRPr lang="en-US" sz="1800" dirty="0">
-              <a:latin typeface="Times New Roman" panose="02020603050405020304" pitchFamily="18" charset="0"/>
-              <a:ea typeface="宋体" panose="02010600030101010101" pitchFamily="2" charset="-122"/>
-            </a:endParaRPr>
-          </a:p>
-          <a:p>
-            <a:pPr>
-              <a:lnSpc>
-                <a:spcPct val="150000"/>
-              </a:lnSpc>
-              <a:buFont typeface="Wingdings" panose="05000000000000000000" pitchFamily="2" charset="2"/>
-              <a:buChar char="Ø"/>
-            </a:pPr>
-            <a:r>
-              <a:rPr lang="en-US" sz="1800" dirty="0">
-                <a:effectLst/>
-                <a:latin typeface="Times New Roman" panose="02020603050405020304" pitchFamily="18" charset="0"/>
-                <a:ea typeface="宋体" panose="02010600030101010101" pitchFamily="2" charset="-122"/>
-              </a:rPr>
-              <a:t>However, it is realized that the implementation is not totally complete as serialization for the scalar encoder is not successful yet. Further, research is necessary to identify how to do serialization of scalar encoder with this approach.</a:t>
-            </a:r>
-            <a:endParaRPr lang="en-US" sz="1800" dirty="0">
-              <a:latin typeface="Times New Roman" panose="02020603050405020304" pitchFamily="18" charset="0"/>
-              <a:cs typeface="Times New Roman" panose="02020603050405020304" pitchFamily="18" charset="0"/>
-            </a:endParaRPr>
-          </a:p>
-        </p:txBody>
-      </p:sp>
-      <p:grpSp>
-        <p:nvGrpSpPr>
-          <p:cNvPr id="4" name="Group 3">
-            <a:extLst>
-              <a:ext uri="{FF2B5EF4-FFF2-40B4-BE49-F238E27FC236}">
-                <a16:creationId xmlns:a16="http://schemas.microsoft.com/office/drawing/2014/main" id="{5A02C668-3D44-94D3-824A-671B8049C11D}"/>
-              </a:ext>
-            </a:extLst>
-          </p:cNvPr>
-          <p:cNvGrpSpPr>
-            <a:grpSpLocks/>
-          </p:cNvGrpSpPr>
-          <p:nvPr/>
-        </p:nvGrpSpPr>
-        <p:grpSpPr bwMode="auto">
-          <a:xfrm>
-            <a:off x="6373496" y="0"/>
-            <a:ext cx="5818504" cy="1782904"/>
-            <a:chOff x="0" y="0"/>
-            <a:chExt cx="58184" cy="17828"/>
-          </a:xfrm>
-        </p:grpSpPr>
-        <p:sp>
-          <p:nvSpPr>
-            <p:cNvPr id="5" name="Rectangle 4">
-              <a:extLst>
-                <a:ext uri="{FF2B5EF4-FFF2-40B4-BE49-F238E27FC236}">
-                  <a16:creationId xmlns:a16="http://schemas.microsoft.com/office/drawing/2014/main" id="{7A9C1123-B56C-DB98-56B2-4FD6231415BA}"/>
-                </a:ext>
-              </a:extLst>
-            </p:cNvPr>
-            <p:cNvSpPr>
-              <a:spLocks noChangeArrowheads="1"/>
-            </p:cNvSpPr>
-            <p:nvPr/>
-          </p:nvSpPr>
-          <p:spPr bwMode="auto">
-            <a:xfrm>
-              <a:off x="57619" y="10472"/>
-              <a:ext cx="458" cy="2064"/>
-            </a:xfrm>
-            <a:prstGeom prst="rect">
-              <a:avLst/>
-            </a:prstGeom>
-            <a:noFill/>
-            <a:ln>
-              <a:noFill/>
-            </a:ln>
-            <a:extLst>
-              <a:ext uri="{909E8E84-426E-40DD-AFC4-6F175D3DCCD1}">
-                <a14:hiddenFill xmlns:a14="http://schemas.microsoft.com/office/drawing/2010/main">
-                  <a:solidFill>
-                    <a:srgbClr val="FFFFFF"/>
-                  </a:solidFill>
-                </a14:hiddenFill>
-              </a:ext>
-              <a:ext uri="{91240B29-F687-4F45-9708-019B960494DF}">
-                <a14:hiddenLine xmlns:a14="http://schemas.microsoft.com/office/drawing/2010/main" w="9525">
-                  <a:solidFill>
-                    <a:srgbClr val="000000"/>
-                  </a:solidFill>
-                  <a:miter lim="800000"/>
-                  <a:headEnd/>
-                  <a:tailEnd/>
-                </a14:hiddenLine>
-              </a:ext>
-            </a:extLst>
-          </p:spPr>
-          <p:txBody>
-            <a:bodyPr rot="0" vert="horz" wrap="square" lIns="0" tIns="0" rIns="0" bIns="0" anchor="t" anchorCtr="0" upright="1">
-              <a:noAutofit/>
-            </a:bodyPr>
-            <a:lstStyle/>
-            <a:p>
-              <a:pPr marL="0" marR="0" indent="0">
-                <a:lnSpc>
-                  <a:spcPct val="107000"/>
-                </a:lnSpc>
-                <a:spcBef>
-                  <a:spcPts val="0"/>
-                </a:spcBef>
-                <a:spcAft>
-                  <a:spcPts val="800"/>
-                </a:spcAft>
-              </a:pPr>
-              <a:r>
-                <a:rPr lang="en-US" sz="1200">
-                  <a:solidFill>
-                    <a:srgbClr val="000000"/>
-                  </a:solidFill>
-                  <a:effectLst/>
-                  <a:latin typeface="Calibri" panose="020F0502020204030204" pitchFamily="34" charset="0"/>
-                  <a:ea typeface="Calibri" panose="020F0502020204030204" pitchFamily="34" charset="0"/>
-                </a:rPr>
-                <a:t> </a:t>
-              </a:r>
-            </a:p>
-          </p:txBody>
-        </p:sp>
-        <p:sp>
-          <p:nvSpPr>
-            <p:cNvPr id="6" name="Rectangle 5">
-              <a:extLst>
-                <a:ext uri="{FF2B5EF4-FFF2-40B4-BE49-F238E27FC236}">
-                  <a16:creationId xmlns:a16="http://schemas.microsoft.com/office/drawing/2014/main" id="{9D7030F1-66FE-F541-6C70-686124138335}"/>
-                </a:ext>
-              </a:extLst>
-            </p:cNvPr>
-            <p:cNvSpPr>
-              <a:spLocks noChangeArrowheads="1"/>
-            </p:cNvSpPr>
-            <p:nvPr/>
-          </p:nvSpPr>
-          <p:spPr bwMode="auto">
-            <a:xfrm>
-              <a:off x="57726" y="12331"/>
-              <a:ext cx="458" cy="2065"/>
-            </a:xfrm>
-            <a:prstGeom prst="rect">
-              <a:avLst/>
-            </a:prstGeom>
-            <a:noFill/>
-            <a:ln>
-              <a:noFill/>
-            </a:ln>
-            <a:extLst>
-              <a:ext uri="{909E8E84-426E-40DD-AFC4-6F175D3DCCD1}">
-                <a14:hiddenFill xmlns:a14="http://schemas.microsoft.com/office/drawing/2010/main">
-                  <a:solidFill>
-                    <a:srgbClr val="FFFFFF"/>
-                  </a:solidFill>
-                </a14:hiddenFill>
-              </a:ext>
-              <a:ext uri="{91240B29-F687-4F45-9708-019B960494DF}">
-                <a14:hiddenLine xmlns:a14="http://schemas.microsoft.com/office/drawing/2010/main" w="9525">
-                  <a:solidFill>
-                    <a:srgbClr val="000000"/>
-                  </a:solidFill>
-                  <a:miter lim="800000"/>
-                  <a:headEnd/>
-                  <a:tailEnd/>
-                </a14:hiddenLine>
-              </a:ext>
-            </a:extLst>
-          </p:spPr>
-          <p:txBody>
-            <a:bodyPr rot="0" vert="horz" wrap="square" lIns="0" tIns="0" rIns="0" bIns="0" anchor="t" anchorCtr="0" upright="1">
-              <a:noAutofit/>
-            </a:bodyPr>
-            <a:lstStyle/>
-            <a:p>
-              <a:pPr marL="0" marR="0" indent="0">
-                <a:lnSpc>
-                  <a:spcPct val="107000"/>
-                </a:lnSpc>
-                <a:spcBef>
-                  <a:spcPts val="0"/>
-                </a:spcBef>
-                <a:spcAft>
-                  <a:spcPts val="800"/>
-                </a:spcAft>
-              </a:pPr>
-              <a:r>
-                <a:rPr lang="en-US" sz="1200">
-                  <a:solidFill>
-                    <a:srgbClr val="000000"/>
-                  </a:solidFill>
-                  <a:effectLst/>
-                  <a:latin typeface="Calibri" panose="020F0502020204030204" pitchFamily="34" charset="0"/>
-                  <a:ea typeface="Calibri" panose="020F0502020204030204" pitchFamily="34" charset="0"/>
-                </a:rPr>
-                <a:t> </a:t>
-              </a:r>
-            </a:p>
-          </p:txBody>
-        </p:sp>
-        <p:pic>
-          <p:nvPicPr>
-            <p:cNvPr id="7" name="Picture 6">
-              <a:extLst>
-                <a:ext uri="{FF2B5EF4-FFF2-40B4-BE49-F238E27FC236}">
-                  <a16:creationId xmlns:a16="http://schemas.microsoft.com/office/drawing/2014/main" id="{D99F2A96-ABC8-A448-8F81-E507F3D5F1C7}"/>
-                </a:ext>
-              </a:extLst>
-            </p:cNvPr>
-            <p:cNvPicPr>
-              <a:picLocks noChangeAspect="1" noChangeArrowheads="1"/>
-            </p:cNvPicPr>
-            <p:nvPr/>
-          </p:nvPicPr>
-          <p:blipFill>
-            <a:blip r:embed="rId2">
-              <a:extLst>
-                <a:ext uri="{28A0092B-C50C-407E-A947-70E740481C1C}">
-                  <a14:useLocalDpi xmlns:a14="http://schemas.microsoft.com/office/drawing/2010/main" val="0"/>
-                </a:ext>
-              </a:extLst>
-            </a:blip>
-            <a:srcRect/>
-            <a:stretch>
-              <a:fillRect/>
-            </a:stretch>
-          </p:blipFill>
-          <p:spPr bwMode="auto">
-            <a:xfrm>
-              <a:off x="33569" y="0"/>
-              <a:ext cx="24038" cy="11614"/>
-            </a:xfrm>
-            <a:prstGeom prst="rect">
-              <a:avLst/>
-            </a:prstGeom>
-            <a:noFill/>
-            <a:extLst>
-              <a:ext uri="{909E8E84-426E-40DD-AFC4-6F175D3DCCD1}">
-                <a14:hiddenFill xmlns:a14="http://schemas.microsoft.com/office/drawing/2010/main">
-                  <a:solidFill>
-                    <a:srgbClr val="FFFFFF"/>
-                  </a:solidFill>
-                </a14:hiddenFill>
-              </a:ext>
-            </a:extLst>
-          </p:spPr>
-        </p:pic>
-        <p:sp>
-          <p:nvSpPr>
-            <p:cNvPr id="8" name="Shape 11">
-              <a:extLst>
-                <a:ext uri="{FF2B5EF4-FFF2-40B4-BE49-F238E27FC236}">
-                  <a16:creationId xmlns:a16="http://schemas.microsoft.com/office/drawing/2014/main" id="{AA1DBF30-2FE8-E925-375F-08C3EF7561EE}"/>
-                </a:ext>
-              </a:extLst>
-            </p:cNvPr>
-            <p:cNvSpPr>
-              <a:spLocks/>
-            </p:cNvSpPr>
-            <p:nvPr/>
-          </p:nvSpPr>
-          <p:spPr bwMode="auto">
-            <a:xfrm>
-              <a:off x="3" y="13093"/>
-              <a:ext cx="57594" cy="108"/>
-            </a:xfrm>
-            <a:custGeom>
-              <a:avLst/>
-              <a:gdLst>
-                <a:gd name="T0" fmla="*/ 2879725 w 5759450"/>
-                <a:gd name="T1" fmla="*/ 0 h 10795"/>
-                <a:gd name="T2" fmla="*/ 4470146 w 5759450"/>
-                <a:gd name="T3" fmla="*/ 0 h 10795"/>
-                <a:gd name="T4" fmla="*/ 5759450 w 5759450"/>
-                <a:gd name="T5" fmla="*/ 2413 h 10795"/>
-                <a:gd name="T6" fmla="*/ 5759450 w 5759450"/>
-                <a:gd name="T7" fmla="*/ 5334 h 10795"/>
-                <a:gd name="T8" fmla="*/ 5759450 w 5759450"/>
-                <a:gd name="T9" fmla="*/ 8382 h 10795"/>
-                <a:gd name="T10" fmla="*/ 4470146 w 5759450"/>
-                <a:gd name="T11" fmla="*/ 10795 h 10795"/>
-                <a:gd name="T12" fmla="*/ 2879725 w 5759450"/>
-                <a:gd name="T13" fmla="*/ 10795 h 10795"/>
-                <a:gd name="T14" fmla="*/ 1289304 w 5759450"/>
-                <a:gd name="T15" fmla="*/ 10795 h 10795"/>
-                <a:gd name="T16" fmla="*/ 0 w 5759450"/>
-                <a:gd name="T17" fmla="*/ 8382 h 10795"/>
-                <a:gd name="T18" fmla="*/ 0 w 5759450"/>
-                <a:gd name="T19" fmla="*/ 5334 h 10795"/>
-                <a:gd name="T20" fmla="*/ 0 w 5759450"/>
-                <a:gd name="T21" fmla="*/ 2413 h 10795"/>
-                <a:gd name="T22" fmla="*/ 1289304 w 5759450"/>
-                <a:gd name="T23" fmla="*/ 0 h 10795"/>
-                <a:gd name="T24" fmla="*/ 2879725 w 5759450"/>
-                <a:gd name="T25" fmla="*/ 0 h 10795"/>
-                <a:gd name="T26" fmla="*/ 0 w 5759450"/>
-                <a:gd name="T27" fmla="*/ 0 h 10795"/>
-                <a:gd name="T28" fmla="*/ 5759450 w 5759450"/>
-                <a:gd name="T29" fmla="*/ 10795 h 10795"/>
-              </a:gdLst>
-              <a:ahLst/>
-              <a:cxnLst>
-                <a:cxn ang="0">
-                  <a:pos x="T0" y="T1"/>
-                </a:cxn>
-                <a:cxn ang="0">
-                  <a:pos x="T2" y="T3"/>
-                </a:cxn>
-                <a:cxn ang="0">
-                  <a:pos x="T4" y="T5"/>
-                </a:cxn>
-                <a:cxn ang="0">
-                  <a:pos x="T6" y="T7"/>
-                </a:cxn>
-                <a:cxn ang="0">
-                  <a:pos x="T8" y="T9"/>
-                </a:cxn>
-                <a:cxn ang="0">
-                  <a:pos x="T10" y="T11"/>
-                </a:cxn>
-                <a:cxn ang="0">
-                  <a:pos x="T12" y="T13"/>
-                </a:cxn>
-                <a:cxn ang="0">
-                  <a:pos x="T14" y="T15"/>
-                </a:cxn>
-                <a:cxn ang="0">
-                  <a:pos x="T16" y="T17"/>
-                </a:cxn>
-                <a:cxn ang="0">
-                  <a:pos x="T18" y="T19"/>
-                </a:cxn>
-                <a:cxn ang="0">
-                  <a:pos x="T20" y="T21"/>
-                </a:cxn>
-                <a:cxn ang="0">
-                  <a:pos x="T22" y="T23"/>
-                </a:cxn>
-                <a:cxn ang="0">
-                  <a:pos x="T24" y="T25"/>
-                </a:cxn>
-              </a:cxnLst>
-              <a:rect l="T26" t="T27" r="T28" b="T29"/>
-              <a:pathLst>
-                <a:path w="5759450" h="10795">
-                  <a:moveTo>
-                    <a:pt x="2879725" y="0"/>
-                  </a:moveTo>
-                  <a:cubicBezTo>
-                    <a:pt x="4470146" y="0"/>
-                    <a:pt x="5759450" y="2413"/>
-                    <a:pt x="5759450" y="5334"/>
-                  </a:cubicBezTo>
-                  <a:cubicBezTo>
-                    <a:pt x="5759450" y="8382"/>
-                    <a:pt x="4470146" y="10795"/>
-                    <a:pt x="2879725" y="10795"/>
-                  </a:cubicBezTo>
-                  <a:cubicBezTo>
-                    <a:pt x="1289304" y="10795"/>
-                    <a:pt x="0" y="8382"/>
-                    <a:pt x="0" y="5334"/>
-                  </a:cubicBezTo>
-                  <a:cubicBezTo>
-                    <a:pt x="0" y="2413"/>
-                    <a:pt x="1289304" y="0"/>
-                    <a:pt x="2879725" y="0"/>
-                  </a:cubicBezTo>
-                  <a:close/>
-                </a:path>
-              </a:pathLst>
-            </a:custGeom>
-            <a:solidFill>
-              <a:srgbClr val="4F81BD"/>
-            </a:solidFill>
-            <a:ln>
-              <a:noFill/>
-            </a:ln>
-            <a:extLst>
-              <a:ext uri="{91240B29-F687-4F45-9708-019B960494DF}">
-                <a14:hiddenLine xmlns:a14="http://schemas.microsoft.com/office/drawing/2010/main" w="0">
-                  <a:solidFill>
-                    <a:srgbClr val="000000"/>
-                  </a:solidFill>
-                  <a:miter lim="127000"/>
-                  <a:headEnd/>
-                  <a:tailEnd/>
-                </a14:hiddenLine>
-              </a:ext>
-            </a:extLst>
-          </p:spPr>
-          <p:txBody>
-            <a:bodyPr rot="0" vert="horz" wrap="square" lIns="91440" tIns="45720" rIns="91440" bIns="45720" anchor="t" anchorCtr="0" upright="1">
-              <a:noAutofit/>
-            </a:bodyPr>
-            <a:lstStyle/>
-            <a:p>
-              <a:endParaRPr lang="en-US"/>
-            </a:p>
-          </p:txBody>
-        </p:sp>
-        <p:sp>
-          <p:nvSpPr>
-            <p:cNvPr id="9" name="Shape 12">
-              <a:extLst>
-                <a:ext uri="{FF2B5EF4-FFF2-40B4-BE49-F238E27FC236}">
-                  <a16:creationId xmlns:a16="http://schemas.microsoft.com/office/drawing/2014/main" id="{1C574F43-4F89-E65E-AFA1-DAE7128F2ACB}"/>
-                </a:ext>
-              </a:extLst>
-            </p:cNvPr>
-            <p:cNvSpPr>
-              <a:spLocks/>
-            </p:cNvSpPr>
-            <p:nvPr/>
-          </p:nvSpPr>
-          <p:spPr bwMode="auto">
-            <a:xfrm>
-              <a:off x="3" y="13093"/>
-              <a:ext cx="57594" cy="108"/>
-            </a:xfrm>
-            <a:custGeom>
-              <a:avLst/>
-              <a:gdLst>
-                <a:gd name="T0" fmla="*/ 0 w 5759450"/>
-                <a:gd name="T1" fmla="*/ 5334 h 10795"/>
-                <a:gd name="T2" fmla="*/ 0 w 5759450"/>
-                <a:gd name="T3" fmla="*/ 2413 h 10795"/>
-                <a:gd name="T4" fmla="*/ 1289304 w 5759450"/>
-                <a:gd name="T5" fmla="*/ 0 h 10795"/>
-                <a:gd name="T6" fmla="*/ 2879725 w 5759450"/>
-                <a:gd name="T7" fmla="*/ 0 h 10795"/>
-                <a:gd name="T8" fmla="*/ 4470146 w 5759450"/>
-                <a:gd name="T9" fmla="*/ 0 h 10795"/>
-                <a:gd name="T10" fmla="*/ 5759450 w 5759450"/>
-                <a:gd name="T11" fmla="*/ 2413 h 10795"/>
-                <a:gd name="T12" fmla="*/ 5759450 w 5759450"/>
-                <a:gd name="T13" fmla="*/ 5334 h 10795"/>
-                <a:gd name="T14" fmla="*/ 5759450 w 5759450"/>
-                <a:gd name="T15" fmla="*/ 8382 h 10795"/>
-                <a:gd name="T16" fmla="*/ 4470146 w 5759450"/>
-                <a:gd name="T17" fmla="*/ 10795 h 10795"/>
-                <a:gd name="T18" fmla="*/ 2879725 w 5759450"/>
-                <a:gd name="T19" fmla="*/ 10795 h 10795"/>
-                <a:gd name="T20" fmla="*/ 1289304 w 5759450"/>
-                <a:gd name="T21" fmla="*/ 10795 h 10795"/>
-                <a:gd name="T22" fmla="*/ 0 w 5759450"/>
-                <a:gd name="T23" fmla="*/ 8382 h 10795"/>
-                <a:gd name="T24" fmla="*/ 0 w 5759450"/>
-                <a:gd name="T25" fmla="*/ 5334 h 10795"/>
-                <a:gd name="T26" fmla="*/ 0 w 5759450"/>
-                <a:gd name="T27" fmla="*/ 0 h 10795"/>
-                <a:gd name="T28" fmla="*/ 5759450 w 5759450"/>
-                <a:gd name="T29" fmla="*/ 10795 h 10795"/>
-              </a:gdLst>
-              <a:ahLst/>
-              <a:cxnLst>
-                <a:cxn ang="0">
-                  <a:pos x="T0" y="T1"/>
-                </a:cxn>
-                <a:cxn ang="0">
-                  <a:pos x="T2" y="T3"/>
-                </a:cxn>
-                <a:cxn ang="0">
-                  <a:pos x="T4" y="T5"/>
-                </a:cxn>
-                <a:cxn ang="0">
-                  <a:pos x="T6" y="T7"/>
-                </a:cxn>
-                <a:cxn ang="0">
-                  <a:pos x="T8" y="T9"/>
-                </a:cxn>
-                <a:cxn ang="0">
-                  <a:pos x="T10" y="T11"/>
-                </a:cxn>
-                <a:cxn ang="0">
-                  <a:pos x="T12" y="T13"/>
-                </a:cxn>
-                <a:cxn ang="0">
-                  <a:pos x="T14" y="T15"/>
-                </a:cxn>
-                <a:cxn ang="0">
-                  <a:pos x="T16" y="T17"/>
-                </a:cxn>
-                <a:cxn ang="0">
-                  <a:pos x="T18" y="T19"/>
-                </a:cxn>
-                <a:cxn ang="0">
-                  <a:pos x="T20" y="T21"/>
-                </a:cxn>
-                <a:cxn ang="0">
-                  <a:pos x="T22" y="T23"/>
-                </a:cxn>
-                <a:cxn ang="0">
-                  <a:pos x="T24" y="T25"/>
-                </a:cxn>
-              </a:cxnLst>
-              <a:rect l="T26" t="T27" r="T28" b="T29"/>
-              <a:pathLst>
-                <a:path w="5759450" h="10795">
-                  <a:moveTo>
-                    <a:pt x="0" y="5334"/>
-                  </a:moveTo>
-                  <a:cubicBezTo>
-                    <a:pt x="0" y="2413"/>
-                    <a:pt x="1289304" y="0"/>
-                    <a:pt x="2879725" y="0"/>
-                  </a:cubicBezTo>
-                  <a:cubicBezTo>
-                    <a:pt x="4470146" y="0"/>
-                    <a:pt x="5759450" y="2413"/>
-                    <a:pt x="5759450" y="5334"/>
-                  </a:cubicBezTo>
-                  <a:cubicBezTo>
-                    <a:pt x="5759450" y="8382"/>
-                    <a:pt x="4470146" y="10795"/>
-                    <a:pt x="2879725" y="10795"/>
-                  </a:cubicBezTo>
-                  <a:cubicBezTo>
-                    <a:pt x="1289304" y="10795"/>
-                    <a:pt x="0" y="8382"/>
-                    <a:pt x="0" y="5334"/>
-                  </a:cubicBezTo>
-                  <a:close/>
-                </a:path>
-              </a:pathLst>
-            </a:custGeom>
-            <a:noFill/>
-            <a:ln w="25400">
-              <a:solidFill>
-                <a:srgbClr val="4F81BD"/>
-              </a:solidFill>
-              <a:round/>
-              <a:headEnd/>
-              <a:tailEnd/>
-            </a:ln>
-            <a:extLst>
-              <a:ext uri="{909E8E84-426E-40DD-AFC4-6F175D3DCCD1}">
-                <a14:hiddenFill xmlns:a14="http://schemas.microsoft.com/office/drawing/2010/main">
-                  <a:solidFill>
-                    <a:srgbClr val="FFFFFF"/>
-                  </a:solidFill>
-                </a14:hiddenFill>
-              </a:ext>
-            </a:extLst>
-          </p:spPr>
-          <p:txBody>
-            <a:bodyPr rot="0" vert="horz" wrap="square" lIns="91440" tIns="45720" rIns="91440" bIns="45720" anchor="t" anchorCtr="0" upright="1">
-              <a:noAutofit/>
-            </a:bodyPr>
-            <a:lstStyle/>
-            <a:p>
-              <a:endParaRPr lang="en-US"/>
-            </a:p>
-          </p:txBody>
-        </p:sp>
-        <p:sp>
-          <p:nvSpPr>
-            <p:cNvPr id="10" name="Rectangle 9">
-              <a:extLst>
-                <a:ext uri="{FF2B5EF4-FFF2-40B4-BE49-F238E27FC236}">
-                  <a16:creationId xmlns:a16="http://schemas.microsoft.com/office/drawing/2014/main" id="{DC4378F6-DC64-F654-534A-573A0EAAABDE}"/>
-                </a:ext>
-              </a:extLst>
-            </p:cNvPr>
-            <p:cNvSpPr>
-              <a:spLocks noChangeArrowheads="1"/>
-            </p:cNvSpPr>
-            <p:nvPr/>
-          </p:nvSpPr>
-          <p:spPr bwMode="auto">
-            <a:xfrm>
-              <a:off x="0" y="14050"/>
-              <a:ext cx="838" cy="3778"/>
-            </a:xfrm>
-            <a:prstGeom prst="rect">
-              <a:avLst/>
-            </a:prstGeom>
-            <a:noFill/>
-            <a:ln>
-              <a:noFill/>
-            </a:ln>
-            <a:extLst>
-              <a:ext uri="{909E8E84-426E-40DD-AFC4-6F175D3DCCD1}">
-                <a14:hiddenFill xmlns:a14="http://schemas.microsoft.com/office/drawing/2010/main">
-                  <a:solidFill>
-                    <a:srgbClr val="FFFFFF"/>
-                  </a:solidFill>
-                </a14:hiddenFill>
-              </a:ext>
-              <a:ext uri="{91240B29-F687-4F45-9708-019B960494DF}">
-                <a14:hiddenLine xmlns:a14="http://schemas.microsoft.com/office/drawing/2010/main" w="9525">
-                  <a:solidFill>
-                    <a:srgbClr val="000000"/>
-                  </a:solidFill>
-                  <a:miter lim="800000"/>
-                  <a:headEnd/>
-                  <a:tailEnd/>
-                </a14:hiddenLine>
-              </a:ext>
-            </a:extLst>
-          </p:spPr>
-          <p:txBody>
-            <a:bodyPr rot="0" vert="horz" wrap="square" lIns="0" tIns="0" rIns="0" bIns="0" anchor="t" anchorCtr="0" upright="1">
-              <a:noAutofit/>
-            </a:bodyPr>
-            <a:lstStyle/>
-            <a:p>
-              <a:pPr marL="0" marR="0" indent="0">
-                <a:lnSpc>
-                  <a:spcPct val="107000"/>
-                </a:lnSpc>
-                <a:spcBef>
-                  <a:spcPts val="0"/>
-                </a:spcBef>
-                <a:spcAft>
-                  <a:spcPts val="800"/>
-                </a:spcAft>
-              </a:pPr>
-              <a:r>
-                <a:rPr lang="en-US" sz="2200">
-                  <a:solidFill>
-                    <a:srgbClr val="000000"/>
-                  </a:solidFill>
-                  <a:effectLst/>
-                  <a:latin typeface="Calibri" panose="020F0502020204030204" pitchFamily="34" charset="0"/>
-                  <a:ea typeface="Calibri" panose="020F0502020204030204" pitchFamily="34" charset="0"/>
-                </a:rPr>
-                <a:t> </a:t>
-              </a:r>
-              <a:endParaRPr lang="en-US" sz="1200">
-                <a:solidFill>
-                  <a:srgbClr val="000000"/>
-                </a:solidFill>
-                <a:effectLst/>
-                <a:latin typeface="Calibri" panose="020F0502020204030204" pitchFamily="34" charset="0"/>
-                <a:ea typeface="Calibri" panose="020F0502020204030204" pitchFamily="34" charset="0"/>
-              </a:endParaRPr>
-            </a:p>
-          </p:txBody>
-        </p:sp>
-      </p:grpSp>
-    </p:spTree>
-    <p:extLst>
-      <p:ext uri="{BB962C8B-B14F-4D97-AF65-F5344CB8AC3E}">
-        <p14:creationId xmlns:p14="http://schemas.microsoft.com/office/powerpoint/2010/main" val="1570396247"/>
-      </p:ext>
-    </p:extLst>
-  </p:cSld>
-  <p:clrMapOvr>
-    <a:masterClrMapping/>
-  </p:clrMapOvr>
-</p:sld>
-</file>
-
-<file path=ppt/slides/slide8.xml><?xml version="1.0" encoding="utf-8"?>
+<file path=ppt/slides/slide6.xml><?xml version="1.0" encoding="utf-8"?>
 <p:sld xmlns:a="http://schemas.openxmlformats.org/drawingml/2006/main" xmlns:r="http://schemas.openxmlformats.org/officeDocument/2006/relationships" xmlns:p="http://schemas.openxmlformats.org/presentationml/2006/main">
   <p:cSld>
     <p:spTree>
